--- a/SheShield.pptx
+++ b/SheShield.pptx
@@ -2,52 +2,59 @@
 <file path=ppt/presentation.xml><?xml version="1.0" encoding="utf-8"?>
 <p:presentation xmlns:a="http://schemas.openxmlformats.org/drawingml/2006/main" xmlns:r="http://schemas.openxmlformats.org/officeDocument/2006/relationships" xmlns:p="http://schemas.openxmlformats.org/presentationml/2006/main" showSpecialPlsOnTitleSld="0" strictFirstAndLastChars="0" embedTrueTypeFonts="1" saveSubsetFonts="1" autoCompressPictures="0">
   <p:sldMasterIdLst>
-    <p:sldMasterId id="2147483774" r:id="rId1"/>
+    <p:sldMasterId id="2147483774" r:id="rId4"/>
   </p:sldMasterIdLst>
   <p:notesMasterIdLst>
-    <p:notesMasterId r:id="rId7"/>
+    <p:notesMasterId r:id="rId10"/>
   </p:notesMasterIdLst>
   <p:sldIdLst>
-    <p:sldId id="261" r:id="rId2"/>
-    <p:sldId id="257" r:id="rId3"/>
-    <p:sldId id="258" r:id="rId4"/>
-    <p:sldId id="259" r:id="rId5"/>
-    <p:sldId id="267" r:id="rId6"/>
+    <p:sldId id="261" r:id="rId5"/>
+    <p:sldId id="257" r:id="rId6"/>
+    <p:sldId id="258" r:id="rId7"/>
+    <p:sldId id="259" r:id="rId8"/>
+    <p:sldId id="267" r:id="rId9"/>
   </p:sldIdLst>
   <p:sldSz cx="12192000" cy="6858000"/>
   <p:notesSz cx="6858000" cy="9144000"/>
   <p:embeddedFontLst>
     <p:embeddedFont>
       <p:font typeface="Calibri" panose="020F0502020204030204" pitchFamily="34" charset="0"/>
-      <p:regular r:id="rId8"/>
-      <p:bold r:id="rId9"/>
-      <p:italic r:id="rId10"/>
-      <p:boldItalic r:id="rId11"/>
+      <p:regular r:id="rId11"/>
+      <p:bold r:id="rId12"/>
+      <p:italic r:id="rId13"/>
+      <p:boldItalic r:id="rId14"/>
+    </p:embeddedFont>
+    <p:embeddedFont>
+      <p:font typeface="Cambria" panose="02040503050406030204" pitchFamily="18" charset="0"/>
+      <p:regular r:id="rId15"/>
+      <p:bold r:id="rId16"/>
+      <p:italic r:id="rId17"/>
+      <p:boldItalic r:id="rId18"/>
     </p:embeddedFont>
     <p:embeddedFont>
       <p:font typeface="Franklin Gothic" panose="020B0604020202020204" charset="0"/>
-      <p:bold r:id="rId12"/>
+      <p:bold r:id="rId19"/>
+    </p:embeddedFont>
+    <p:embeddedFont>
+      <p:font typeface="Georgia" panose="02040502050405020303" pitchFamily="18" charset="0"/>
+      <p:regular r:id="rId20"/>
+      <p:bold r:id="rId21"/>
+      <p:italic r:id="rId22"/>
+      <p:boldItalic r:id="rId23"/>
     </p:embeddedFont>
     <p:embeddedFont>
       <p:font typeface="Libre Franklin" pitchFamily="2" charset="0"/>
-      <p:regular r:id="rId13"/>
-      <p:bold r:id="rId14"/>
-      <p:italic r:id="rId15"/>
-      <p:boldItalic r:id="rId16"/>
-    </p:embeddedFont>
-    <p:embeddedFont>
-      <p:font typeface="Roboto" panose="02000000000000000000" pitchFamily="2" charset="0"/>
-      <p:regular r:id="rId17"/>
-      <p:bold r:id="rId18"/>
-      <p:italic r:id="rId19"/>
-      <p:boldItalic r:id="rId20"/>
+      <p:regular r:id="rId24"/>
+      <p:bold r:id="rId25"/>
+      <p:italic r:id="rId26"/>
+      <p:boldItalic r:id="rId27"/>
     </p:embeddedFont>
     <p:embeddedFont>
       <p:font typeface="Tw Cen MT" panose="020B0602020104020603" pitchFamily="34" charset="0"/>
-      <p:regular r:id="rId21"/>
-      <p:bold r:id="rId22"/>
-      <p:italic r:id="rId23"/>
-      <p:boldItalic r:id="rId24"/>
+      <p:regular r:id="rId28"/>
+      <p:bold r:id="rId29"/>
+      <p:italic r:id="rId30"/>
+      <p:boldItalic r:id="rId31"/>
     </p:embeddedFont>
   </p:embeddedFontLst>
   <p:defaultTextStyle>
@@ -150,7 +157,7 @@
       <p15:sldGuideLst xmlns:p15="http://schemas.microsoft.com/office/powerpoint/2012/main"/>
     </p:ext>
     <p:ext uri="http://customooxmlschemas.google.com/">
-      <go:slidesCustomData xmlns:go="http://customooxmlschemas.google.com/" xmlns:ahyp="http://schemas.microsoft.com/office/drawing/2018/hyperlinkcolor" xmlns:p15="http://schemas.microsoft.com/office/powerpoint/2012/main" xmlns:p14="http://schemas.microsoft.com/office/powerpoint/2010/main" xmlns:com="http://schemas.openxmlformats.org/drawingml/2006/compatibility" xmlns:pvml="urn:schemas-microsoft-com:office:powerpoint" xmlns:v="urn:schemas-microsoft-com:vml" xmlns:o="urn:schemas-microsoft-com:office:office" xmlns:dgm="http://schemas.openxmlformats.org/drawingml/2006/diagram" xmlns:c="http://schemas.openxmlformats.org/drawingml/2006/chart" xmlns:mv="urn:schemas-microsoft-com:mac:vml" xmlns:mc="http://schemas.openxmlformats.org/markup-compatibility/2006" xmlns="" r:id="rId25" roundtripDataSignature="AMtx7mi1sBDdHb2XsYteFNPHBFMUQvu/sQ=="/>
+      <go:slidesCustomData xmlns:go="http://customooxmlschemas.google.com/" xmlns:ahyp="http://schemas.microsoft.com/office/drawing/2018/hyperlinkcolor" xmlns:p15="http://schemas.microsoft.com/office/powerpoint/2012/main" xmlns:p14="http://schemas.microsoft.com/office/powerpoint/2010/main" xmlns:com="http://schemas.openxmlformats.org/drawingml/2006/compatibility" xmlns:pvml="urn:schemas-microsoft-com:office:powerpoint" xmlns:v="urn:schemas-microsoft-com:vml" xmlns:o="urn:schemas-microsoft-com:office:office" xmlns:dgm="http://schemas.openxmlformats.org/drawingml/2006/diagram" xmlns:c="http://schemas.openxmlformats.org/drawingml/2006/chart" xmlns:mv="urn:schemas-microsoft-com:mac:vml" xmlns:mc="http://schemas.openxmlformats.org/markup-compatibility/2006" xmlns="" r:id="rId32" roundtripDataSignature="AMtx7mi1sBDdHb2XsYteFNPHBFMUQvu/sQ=="/>
     </p:ext>
   </p:extLst>
 </p:presentation>
@@ -1799,7 +1806,7 @@
 </file>
 
 <file path=ppt/slideLayouts/slideLayout1.xml><?xml version="1.0" encoding="utf-8"?>
-<p:sldLayout xmlns:a="http://schemas.openxmlformats.org/drawingml/2006/main" xmlns:r="http://schemas.openxmlformats.org/officeDocument/2006/relationships" xmlns:p="http://schemas.openxmlformats.org/presentationml/2006/main" showMasterSp="0" type="title" preserve="1">
+<p:sldLayout xmlns:a="http://schemas.openxmlformats.org/drawingml/2006/main" xmlns:r="http://schemas.openxmlformats.org/officeDocument/2006/relationships" xmlns:p="http://schemas.openxmlformats.org/presentationml/2006/main" type="title" preserve="1">
   <p:cSld name="Title Slide">
     <p:spTree>
       <p:nvGrpSpPr>
@@ -8970,14 +8977,6 @@
 <file path=ppt/slideLayouts/slideLayout18.xml><?xml version="1.0" encoding="utf-8"?>
 <p:sldLayout xmlns:a="http://schemas.openxmlformats.org/drawingml/2006/main" xmlns:r="http://schemas.openxmlformats.org/officeDocument/2006/relationships" xmlns:p="http://schemas.openxmlformats.org/presentationml/2006/main" matchingName="Summary ">
   <p:cSld name="Summary ">
-    <p:bg>
-      <p:bgPr>
-        <a:solidFill>
-          <a:schemeClr val="lt1"/>
-        </a:solidFill>
-        <a:effectLst/>
-      </p:bgPr>
-    </p:bg>
     <p:spTree>
       <p:nvGrpSpPr>
         <p:cNvPr id="1" name="Shape 35"/>
@@ -14077,9 +14076,33 @@
 <p:sldMaster xmlns:a="http://schemas.openxmlformats.org/drawingml/2006/main" xmlns:r="http://schemas.openxmlformats.org/officeDocument/2006/relationships" xmlns:p="http://schemas.openxmlformats.org/presentationml/2006/main">
   <p:cSld>
     <p:bg>
-      <p:bgRef idx="1003">
-        <a:schemeClr val="bg2"/>
-      </p:bgRef>
+      <p:bgPr>
+        <a:blipFill dpi="0" rotWithShape="1">
+          <a:blip r:embed="rId21">
+            <a:alphaModFix amt="70000"/>
+            <a:duotone>
+              <a:schemeClr val="bg2">
+                <a:shade val="88000"/>
+                <a:hueMod val="106000"/>
+                <a:satMod val="140000"/>
+                <a:lumMod val="54000"/>
+              </a:schemeClr>
+              <a:schemeClr val="bg2">
+                <a:tint val="98000"/>
+                <a:hueMod val="92000"/>
+                <a:satMod val="150000"/>
+                <a:lumMod val="150000"/>
+              </a:schemeClr>
+            </a:duotone>
+            <a:lum/>
+          </a:blip>
+          <a:srcRect/>
+          <a:stretch>
+            <a:fillRect/>
+          </a:stretch>
+        </a:blipFill>
+        <a:effectLst/>
+      </p:bgPr>
     </p:bg>
     <p:spTree>
       <p:nvGrpSpPr>
@@ -14104,7 +14127,7 @@
           <p:nvPr/>
         </p:nvPicPr>
         <p:blipFill>
-          <a:blip r:embed="rId21">
+          <a:blip r:embed="rId22">
             <a:alphaModFix amt="30000"/>
             <a:duotone>
               <a:prstClr val="black"/>
@@ -17496,16 +17519,8 @@
 </file>
 
 <file path=ppt/slides/slide1.xml><?xml version="1.0" encoding="utf-8"?>
-<p:sld xmlns:a="http://schemas.openxmlformats.org/drawingml/2006/main" xmlns:r="http://schemas.openxmlformats.org/officeDocument/2006/relationships" xmlns:p="http://schemas.openxmlformats.org/presentationml/2006/main" showMasterSp="0">
+<p:sld xmlns:a="http://schemas.openxmlformats.org/drawingml/2006/main" xmlns:r="http://schemas.openxmlformats.org/officeDocument/2006/relationships" xmlns:p="http://schemas.openxmlformats.org/presentationml/2006/main">
   <p:cSld>
-    <p:bg>
-      <p:bgPr>
-        <a:solidFill>
-          <a:schemeClr val="lt1"/>
-        </a:solidFill>
-        <a:effectLst/>
-      </p:bgPr>
-    </p:bg>
     <p:spTree>
       <p:nvGrpSpPr>
         <p:cNvPr id="1" name="Shape 242"/>
@@ -17555,17 +17570,21 @@
                 <a:solidFill>
                   <a:srgbClr val="002060"/>
                 </a:solidFill>
+                <a:latin typeface="+mj-lt"/>
               </a:rPr>
               <a:t>G20-MAIT INTRA-COLLEGE HACKATHON</a:t>
             </a:r>
             <a:br>
-              <a:rPr lang="en-US" sz="4000" dirty="0"/>
+              <a:rPr lang="en-US" sz="4000" dirty="0">
+                <a:latin typeface="+mj-lt"/>
+              </a:rPr>
             </a:br>
             <a:r>
               <a:rPr lang="en-US" sz="4000" dirty="0">
                 <a:solidFill>
                   <a:srgbClr val="FF0000"/>
                 </a:solidFill>
+                <a:latin typeface="+mj-lt"/>
               </a:rPr>
               <a:t>28-29</a:t>
             </a:r>
@@ -17574,10 +17593,13 @@
                 <a:solidFill>
                   <a:srgbClr val="FF0000"/>
                 </a:solidFill>
+                <a:latin typeface="+mj-lt"/>
               </a:rPr>
               <a:t>, MARCH 2023</a:t>
             </a:r>
-            <a:endParaRPr dirty="0"/>
+            <a:endParaRPr dirty="0">
+              <a:latin typeface="+mj-lt"/>
+            </a:endParaRPr>
           </a:p>
         </p:txBody>
       </p:sp>
@@ -17599,8 +17621,8 @@
         </p:nvSpPr>
         <p:spPr>
           <a:xfrm>
-            <a:off x="355438" y="3279635"/>
-            <a:ext cx="11481124" cy="2435255"/>
+            <a:off x="2928810" y="3430912"/>
+            <a:ext cx="6064817" cy="2435255"/>
           </a:xfrm>
           <a:prstGeom prst="rect">
             <a:avLst/>
@@ -17623,14 +17645,14 @@
               <a:buSzPts val="1800"/>
             </a:pPr>
             <a:r>
-              <a:rPr lang="en-US" b="1" dirty="0">
+              <a:rPr lang="en-US" sz="1800" b="1" dirty="0">
                 <a:solidFill>
                   <a:schemeClr val="bg1">
                     <a:lumMod val="95000"/>
                     <a:lumOff val="5000"/>
                   </a:schemeClr>
                 </a:solidFill>
-                <a:latin typeface="Franklin Gothic"/>
+                <a:latin typeface="+mn-lt"/>
                 <a:ea typeface="Franklin Gothic"/>
                 <a:cs typeface="Franklin Gothic"/>
                 <a:sym typeface="Franklin Gothic"/>
@@ -17638,20 +17660,6 @@
               <a:t>   </a:t>
             </a:r>
             <a:br>
-              <a:rPr lang="en-US" b="1" dirty="0">
-                <a:solidFill>
-                  <a:schemeClr val="bg1">
-                    <a:lumMod val="95000"/>
-                    <a:lumOff val="5000"/>
-                  </a:schemeClr>
-                </a:solidFill>
-                <a:latin typeface="Franklin Gothic"/>
-                <a:ea typeface="Franklin Gothic"/>
-                <a:cs typeface="Franklin Gothic"/>
-                <a:sym typeface="Franklin Gothic"/>
-              </a:rPr>
-            </a:br>
-            <a:r>
               <a:rPr lang="en-US" sz="1800" b="1" dirty="0">
                 <a:solidFill>
                   <a:schemeClr val="bg1">
@@ -17659,7 +17667,21 @@
                     <a:lumOff val="5000"/>
                   </a:schemeClr>
                 </a:solidFill>
-                <a:latin typeface="Franklin Gothic"/>
+                <a:latin typeface="+mn-lt"/>
+                <a:ea typeface="Franklin Gothic"/>
+                <a:cs typeface="Franklin Gothic"/>
+                <a:sym typeface="Franklin Gothic"/>
+              </a:rPr>
+            </a:br>
+            <a:r>
+              <a:rPr lang="en-US" sz="2000" b="1" dirty="0">
+                <a:solidFill>
+                  <a:schemeClr val="bg1">
+                    <a:lumMod val="95000"/>
+                    <a:lumOff val="5000"/>
+                  </a:schemeClr>
+                </a:solidFill>
+                <a:latin typeface="+mn-lt"/>
                 <a:ea typeface="Franklin Gothic"/>
                 <a:cs typeface="Franklin Gothic"/>
                 <a:sym typeface="Franklin Gothic"/>
@@ -17667,7 +17689,7 @@
               <a:t>Problem Statement Title: </a:t>
             </a:r>
             <a:r>
-              <a:rPr lang="en-US" sz="1800" b="1" i="0" dirty="0">
+              <a:rPr lang="en-US" sz="2000" b="1" i="0" dirty="0">
                 <a:solidFill>
                   <a:schemeClr val="bg1">
                     <a:lumMod val="95000"/>
@@ -17675,17 +17697,130 @@
                   </a:schemeClr>
                 </a:solidFill>
                 <a:effectLst/>
-                <a:latin typeface="Roboto" panose="02000000000000000000" pitchFamily="2" charset="0"/>
+                <a:latin typeface="+mn-lt"/>
               </a:rPr>
               <a:t>NEW AGE WOMEN SAFETY</a:t>
             </a:r>
-            <a:endParaRPr lang="en-US" sz="1800" b="1" dirty="0">
+            <a:endParaRPr lang="en-US" sz="2000" b="1" dirty="0">
               <a:solidFill>
                 <a:schemeClr val="bg1">
                   <a:lumMod val="95000"/>
                   <a:lumOff val="5000"/>
                 </a:schemeClr>
               </a:solidFill>
+              <a:latin typeface="+mn-lt"/>
+            </a:endParaRPr>
+          </a:p>
+          <a:p>
+            <a:pPr marL="0" lvl="0" indent="0" algn="l" rtl="0">
+              <a:lnSpc>
+                <a:spcPct val="90000"/>
+              </a:lnSpc>
+              <a:spcBef>
+                <a:spcPts val="1000"/>
+              </a:spcBef>
+              <a:spcAft>
+                <a:spcPts val="0"/>
+              </a:spcAft>
+              <a:buClr>
+                <a:schemeClr val="lt2"/>
+              </a:buClr>
+              <a:buSzPts val="1800"/>
+              <a:buNone/>
+            </a:pPr>
+            <a:br>
+              <a:rPr lang="en-US" sz="2000" b="1" dirty="0">
+                <a:solidFill>
+                  <a:schemeClr val="bg1">
+                    <a:lumMod val="95000"/>
+                    <a:lumOff val="5000"/>
+                  </a:schemeClr>
+                </a:solidFill>
+                <a:latin typeface="+mn-lt"/>
+                <a:ea typeface="Franklin Gothic"/>
+                <a:cs typeface="Franklin Gothic"/>
+                <a:sym typeface="Franklin Gothic"/>
+              </a:rPr>
+            </a:br>
+            <a:r>
+              <a:rPr lang="en-US" sz="2000" b="1" dirty="0">
+                <a:solidFill>
+                  <a:schemeClr val="bg1">
+                    <a:lumMod val="95000"/>
+                    <a:lumOff val="5000"/>
+                  </a:schemeClr>
+                </a:solidFill>
+                <a:latin typeface="+mn-lt"/>
+                <a:ea typeface="Franklin Gothic"/>
+                <a:cs typeface="Franklin Gothic"/>
+                <a:sym typeface="Franklin Gothic"/>
+              </a:rPr>
+              <a:t>Team Name: SHESHIELD</a:t>
+            </a:r>
+            <a:endParaRPr sz="2000" b="1" dirty="0">
+              <a:solidFill>
+                <a:schemeClr val="bg1">
+                  <a:lumMod val="95000"/>
+                  <a:lumOff val="5000"/>
+                </a:schemeClr>
+              </a:solidFill>
+              <a:latin typeface="+mn-lt"/>
+            </a:endParaRPr>
+          </a:p>
+          <a:p>
+            <a:pPr marL="0" lvl="0" indent="0" algn="l" rtl="0">
+              <a:lnSpc>
+                <a:spcPct val="90000"/>
+              </a:lnSpc>
+              <a:spcBef>
+                <a:spcPts val="1000"/>
+              </a:spcBef>
+              <a:spcAft>
+                <a:spcPts val="0"/>
+              </a:spcAft>
+              <a:buClr>
+                <a:schemeClr val="lt2"/>
+              </a:buClr>
+              <a:buSzPts val="1800"/>
+              <a:buNone/>
+            </a:pPr>
+            <a:br>
+              <a:rPr lang="en-US" sz="2000" b="1" dirty="0">
+                <a:solidFill>
+                  <a:schemeClr val="bg1">
+                    <a:lumMod val="95000"/>
+                    <a:lumOff val="5000"/>
+                  </a:schemeClr>
+                </a:solidFill>
+                <a:latin typeface="+mn-lt"/>
+                <a:ea typeface="Franklin Gothic"/>
+                <a:cs typeface="Franklin Gothic"/>
+                <a:sym typeface="Franklin Gothic"/>
+              </a:rPr>
+            </a:br>
+            <a:r>
+              <a:rPr lang="en-US" sz="2000" b="1" dirty="0">
+                <a:solidFill>
+                  <a:schemeClr val="bg1">
+                    <a:lumMod val="95000"/>
+                    <a:lumOff val="5000"/>
+                  </a:schemeClr>
+                </a:solidFill>
+                <a:latin typeface="+mn-lt"/>
+                <a:ea typeface="Franklin Gothic"/>
+                <a:cs typeface="Franklin Gothic"/>
+                <a:sym typeface="Franklin Gothic"/>
+              </a:rPr>
+              <a:t>Team Leader Name: AKSHIT SHARMA</a:t>
+            </a:r>
+            <a:endParaRPr sz="2000" b="1" dirty="0">
+              <a:solidFill>
+                <a:schemeClr val="bg1">
+                  <a:lumMod val="95000"/>
+                  <a:lumOff val="5000"/>
+                </a:schemeClr>
+              </a:solidFill>
+              <a:latin typeface="+mn-lt"/>
             </a:endParaRPr>
           </a:p>
           <a:p>
@@ -17713,145 +17848,35 @@
                     <a:lumOff val="5000"/>
                   </a:schemeClr>
                 </a:solidFill>
-                <a:latin typeface="Franklin Gothic"/>
+                <a:latin typeface="+mn-lt"/>
                 <a:ea typeface="Franklin Gothic"/>
                 <a:cs typeface="Franklin Gothic"/>
                 <a:sym typeface="Franklin Gothic"/>
               </a:rPr>
             </a:br>
             <a:r>
-              <a:rPr lang="en-US" sz="1800" b="1" dirty="0">
+              <a:rPr lang="en-US" sz="2000" b="1" dirty="0">
                 <a:solidFill>
                   <a:schemeClr val="bg1">
                     <a:lumMod val="95000"/>
                     <a:lumOff val="5000"/>
                   </a:schemeClr>
                 </a:solidFill>
-                <a:latin typeface="Franklin Gothic"/>
+                <a:latin typeface="+mn-lt"/>
                 <a:ea typeface="Franklin Gothic"/>
                 <a:cs typeface="Franklin Gothic"/>
                 <a:sym typeface="Franklin Gothic"/>
               </a:rPr>
-              <a:t>Team Name: SHESHIELD</a:t>
+              <a:t>Mentor Name: MS.TEJNA KHOSLA</a:t>
             </a:r>
-            <a:endParaRPr sz="1800" b="1" dirty="0">
+            <a:endParaRPr sz="2000" b="1" dirty="0">
               <a:solidFill>
                 <a:schemeClr val="bg1">
                   <a:lumMod val="95000"/>
                   <a:lumOff val="5000"/>
                 </a:schemeClr>
               </a:solidFill>
-            </a:endParaRPr>
-          </a:p>
-          <a:p>
-            <a:pPr marL="0" lvl="0" indent="0" algn="l" rtl="0">
-              <a:lnSpc>
-                <a:spcPct val="90000"/>
-              </a:lnSpc>
-              <a:spcBef>
-                <a:spcPts val="1000"/>
-              </a:spcBef>
-              <a:spcAft>
-                <a:spcPts val="0"/>
-              </a:spcAft>
-              <a:buClr>
-                <a:schemeClr val="lt2"/>
-              </a:buClr>
-              <a:buSzPts val="1800"/>
-              <a:buNone/>
-            </a:pPr>
-            <a:br>
-              <a:rPr lang="en-US" sz="1800" b="1" dirty="0">
-                <a:solidFill>
-                  <a:schemeClr val="bg1">
-                    <a:lumMod val="95000"/>
-                    <a:lumOff val="5000"/>
-                  </a:schemeClr>
-                </a:solidFill>
-                <a:latin typeface="Franklin Gothic"/>
-                <a:ea typeface="Franklin Gothic"/>
-                <a:cs typeface="Franklin Gothic"/>
-                <a:sym typeface="Franklin Gothic"/>
-              </a:rPr>
-            </a:br>
-            <a:r>
-              <a:rPr lang="en-US" sz="1800" b="1" dirty="0">
-                <a:solidFill>
-                  <a:schemeClr val="bg1">
-                    <a:lumMod val="95000"/>
-                    <a:lumOff val="5000"/>
-                  </a:schemeClr>
-                </a:solidFill>
-                <a:latin typeface="Franklin Gothic"/>
-                <a:ea typeface="Franklin Gothic"/>
-                <a:cs typeface="Franklin Gothic"/>
-                <a:sym typeface="Franklin Gothic"/>
-              </a:rPr>
-              <a:t>Team Leader Name: AKSHIT SHARMA</a:t>
-            </a:r>
-            <a:endParaRPr sz="1800" b="1" dirty="0">
-              <a:solidFill>
-                <a:schemeClr val="bg1">
-                  <a:lumMod val="95000"/>
-                  <a:lumOff val="5000"/>
-                </a:schemeClr>
-              </a:solidFill>
-            </a:endParaRPr>
-          </a:p>
-          <a:p>
-            <a:pPr marL="0" lvl="0" indent="0" algn="l" rtl="0">
-              <a:lnSpc>
-                <a:spcPct val="90000"/>
-              </a:lnSpc>
-              <a:spcBef>
-                <a:spcPts val="1000"/>
-              </a:spcBef>
-              <a:spcAft>
-                <a:spcPts val="0"/>
-              </a:spcAft>
-              <a:buClr>
-                <a:schemeClr val="lt2"/>
-              </a:buClr>
-              <a:buSzPts val="1800"/>
-              <a:buNone/>
-            </a:pPr>
-            <a:br>
-              <a:rPr lang="en-US" b="1" dirty="0">
-                <a:solidFill>
-                  <a:schemeClr val="bg1">
-                    <a:lumMod val="95000"/>
-                    <a:lumOff val="5000"/>
-                  </a:schemeClr>
-                </a:solidFill>
-                <a:latin typeface="Franklin Gothic"/>
-                <a:ea typeface="Franklin Gothic"/>
-                <a:cs typeface="Franklin Gothic"/>
-                <a:sym typeface="Franklin Gothic"/>
-              </a:rPr>
-            </a:br>
-            <a:r>
-              <a:rPr lang="en-US" sz="1800" b="1" dirty="0">
-                <a:solidFill>
-                  <a:schemeClr val="bg1">
-                    <a:lumMod val="95000"/>
-                    <a:lumOff val="5000"/>
-                  </a:schemeClr>
-                </a:solidFill>
-                <a:latin typeface="Franklin Gothic"/>
-                <a:ea typeface="Franklin Gothic"/>
-                <a:cs typeface="Franklin Gothic"/>
-                <a:sym typeface="Franklin Gothic"/>
-              </a:rPr>
-              <a:t>Mentor Name: DR.TEJNA KHOSLA</a:t>
-            </a:r>
-            <a:endParaRPr sz="1800" b="1" dirty="0">
-              <a:solidFill>
-                <a:schemeClr val="bg1">
-                  <a:lumMod val="95000"/>
-                  <a:lumOff val="5000"/>
-                </a:schemeClr>
-              </a:solidFill>
-              <a:latin typeface="Franklin Gothic"/>
+              <a:latin typeface="+mn-lt"/>
               <a:ea typeface="Franklin Gothic"/>
               <a:cs typeface="Franklin Gothic"/>
               <a:sym typeface="Franklin Gothic"/>
@@ -18064,7 +18089,7 @@
         </p:nvSpPr>
         <p:spPr>
           <a:xfrm>
-            <a:off x="152400" y="3190240"/>
+            <a:off x="2321559" y="3190240"/>
             <a:ext cx="7548880" cy="3141980"/>
           </a:xfrm>
           <a:prstGeom prst="rect">
@@ -18143,6 +18168,35 @@
 <file path=ppt/slides/slide2.xml><?xml version="1.0" encoding="utf-8"?>
 <p:sld xmlns:a="http://schemas.openxmlformats.org/drawingml/2006/main" xmlns:r="http://schemas.openxmlformats.org/officeDocument/2006/relationships" xmlns:p="http://schemas.openxmlformats.org/presentationml/2006/main">
   <p:cSld>
+    <p:bg>
+      <p:bgPr>
+        <a:blipFill dpi="0" rotWithShape="1">
+          <a:blip r:embed="rId3">
+            <a:alphaModFix amt="70000"/>
+            <a:duotone>
+              <a:schemeClr val="bg2">
+                <a:shade val="88000"/>
+                <a:hueMod val="106000"/>
+                <a:satMod val="140000"/>
+                <a:lumMod val="54000"/>
+              </a:schemeClr>
+              <a:schemeClr val="bg2">
+                <a:tint val="98000"/>
+                <a:hueMod val="92000"/>
+                <a:satMod val="150000"/>
+                <a:lumMod val="150000"/>
+              </a:schemeClr>
+            </a:duotone>
+            <a:lum/>
+          </a:blip>
+          <a:srcRect/>
+          <a:stretch>
+            <a:fillRect/>
+          </a:stretch>
+        </a:blipFill>
+        <a:effectLst/>
+      </p:bgPr>
+    </p:bg>
     <p:spTree>
       <p:nvGrpSpPr>
         <p:cNvPr id="1" name="Shape 216"/>
@@ -18169,8 +18223,8 @@
         </p:nvSpPr>
         <p:spPr>
           <a:xfrm>
-            <a:off x="1233170" y="-40386"/>
-            <a:ext cx="5534431" cy="610863"/>
+            <a:off x="971550" y="47306"/>
+            <a:ext cx="6626780" cy="610863"/>
           </a:xfrm>
           <a:prstGeom prst="rect">
             <a:avLst/>
@@ -18204,10 +18258,14 @@
               <a:buNone/>
             </a:pPr>
             <a:r>
-              <a:rPr lang="en-US" sz="3600" dirty="0"/>
+              <a:rPr lang="en-US" sz="3600" u="sng" dirty="0">
+                <a:latin typeface="Georgia" panose="02040502050405020303" pitchFamily="18" charset="0"/>
+              </a:rPr>
               <a:t>Idea/Approach Details</a:t>
             </a:r>
-            <a:endParaRPr sz="3600" dirty="0"/>
+            <a:endParaRPr sz="3600" u="sng" dirty="0">
+              <a:latin typeface="Georgia" panose="02040502050405020303" pitchFamily="18" charset="0"/>
+            </a:endParaRPr>
           </a:p>
         </p:txBody>
       </p:sp>
@@ -18223,8 +18281,8 @@
         </p:nvSpPr>
         <p:spPr>
           <a:xfrm>
-            <a:off x="579119" y="755124"/>
-            <a:ext cx="5852161" cy="6102875"/>
+            <a:off x="845881" y="1004895"/>
+            <a:ext cx="5852161" cy="5577096"/>
           </a:xfrm>
           <a:prstGeom prst="rect">
             <a:avLst/>
@@ -18269,33 +18327,45 @@
                     <a:lumMod val="10000"/>
                   </a:schemeClr>
                 </a:solidFill>
-                <a:latin typeface="Franklin Gothic"/>
+                <a:latin typeface="+mn-lt"/>
                 <a:ea typeface="Franklin Gothic"/>
                 <a:cs typeface="Franklin Gothic"/>
                 <a:sym typeface="Franklin Gothic"/>
               </a:rPr>
-              <a:t>               </a:t>
+              <a:t>              </a:t>
             </a:r>
             <a:r>
-              <a:rPr lang="en-US" sz="2400" dirty="0">
+              <a:rPr lang="en-US" sz="1650" dirty="0">
                 <a:solidFill>
                   <a:schemeClr val="tx2">
                     <a:lumMod val="10000"/>
                   </a:schemeClr>
                 </a:solidFill>
-                <a:latin typeface="Franklin Gothic"/>
-                <a:ea typeface="Franklin Gothic"/>
+                <a:latin typeface="+mn-lt"/>
+                <a:ea typeface="Cambria" panose="02040503050406030204" pitchFamily="18" charset="0"/>
                 <a:cs typeface="Franklin Gothic"/>
                 <a:sym typeface="Franklin Gothic"/>
               </a:rPr>
-              <a:t>Our idea/Solution/Prototype here:</a:t>
+              <a:t> </a:t>
             </a:r>
-            <a:endParaRPr lang="en-US" sz="2400" dirty="0">
+            <a:r>
+              <a:rPr lang="en-US" sz="2400" b="1" dirty="0">
+                <a:solidFill>
+                  <a:schemeClr val="tx1"/>
+                </a:solidFill>
+                <a:latin typeface="+mn-lt"/>
+                <a:ea typeface="Cambria" panose="02040503050406030204" pitchFamily="18" charset="0"/>
+                <a:cs typeface="Franklin Gothic"/>
+                <a:sym typeface="Franklin Gothic"/>
+              </a:rPr>
+              <a:t>		Solution</a:t>
+            </a:r>
+            <a:endParaRPr lang="en-US" sz="2400" b="1" dirty="0">
               <a:solidFill>
-                <a:schemeClr val="tx2">
-                  <a:lumMod val="10000"/>
-                </a:schemeClr>
+                <a:schemeClr val="tx1"/>
               </a:solidFill>
+              <a:latin typeface="+mn-lt"/>
+              <a:ea typeface="Cambria" panose="02040503050406030204" pitchFamily="18" charset="0"/>
             </a:endParaRPr>
           </a:p>
           <a:p>
@@ -18312,9 +18382,74 @@
                   </a:schemeClr>
                 </a:solidFill>
                 <a:effectLst/>
-                <a:latin typeface="inherit"/>
+                <a:latin typeface="+mn-lt"/>
               </a:rPr>
-              <a:t>   Women's security is a major issue in today's world due to the increasing number of crimes against females, causing fear and harassment in educational institutes, workplaces, and homes.</a:t>
+              <a:t>   </a:t>
+            </a:r>
+            <a:r>
+              <a:rPr lang="en-US" sz="1800" b="0" i="0" dirty="0">
+                <a:solidFill>
+                  <a:schemeClr val="bg1">
+                    <a:lumMod val="95000"/>
+                    <a:lumOff val="5000"/>
+                  </a:schemeClr>
+                </a:solidFill>
+                <a:effectLst/>
+                <a:latin typeface="+mn-lt"/>
+                <a:ea typeface="Calibri" panose="020F0502020204030204" pitchFamily="34" charset="0"/>
+                <a:cs typeface="Calibri" panose="020F0502020204030204" pitchFamily="34" charset="0"/>
+              </a:rPr>
+              <a:t>Women's security is a major issue in today's world due to the increasing number of crimes against women, causing fear and harassment in educational institutes, workplaces, and homes.</a:t>
+            </a:r>
+          </a:p>
+          <a:p>
+            <a:pPr marL="514350" indent="-285750" algn="l">
+              <a:buFont typeface="Wingdings" panose="05000000000000000000" pitchFamily="2" charset="2"/>
+              <a:buChar char="v"/>
+            </a:pPr>
+            <a:r>
+              <a:rPr lang="en-US" sz="1800" i="0" dirty="0">
+                <a:solidFill>
+                  <a:schemeClr val="bg1">
+                    <a:lumMod val="95000"/>
+                    <a:lumOff val="5000"/>
+                  </a:schemeClr>
+                </a:solidFill>
+                <a:effectLst/>
+                <a:latin typeface="+mn-lt"/>
+                <a:ea typeface="Calibri" panose="020F0502020204030204" pitchFamily="34" charset="0"/>
+                <a:cs typeface="Calibri" panose="020F0502020204030204" pitchFamily="34" charset="0"/>
+              </a:rPr>
+              <a:t>Introducing </a:t>
+            </a:r>
+            <a:r>
+              <a:rPr lang="en-US" sz="1800" b="1" i="0" dirty="0">
+                <a:solidFill>
+                  <a:schemeClr val="tx2">
+                    <a:lumMod val="10000"/>
+                  </a:schemeClr>
+                </a:solidFill>
+                <a:effectLst/>
+                <a:latin typeface="+mn-lt"/>
+                <a:ea typeface="Calibri" panose="020F0502020204030204" pitchFamily="34" charset="0"/>
+                <a:cs typeface="Calibri" panose="020F0502020204030204" pitchFamily="34" charset="0"/>
+              </a:rPr>
+              <a:t>"SHESHIELD</a:t>
+            </a:r>
+            <a:r>
+              <a:rPr lang="en-US" sz="1800" i="0" dirty="0">
+                <a:solidFill>
+                  <a:schemeClr val="bg1">
+                    <a:lumMod val="95000"/>
+                    <a:lumOff val="5000"/>
+                  </a:schemeClr>
+                </a:solidFill>
+                <a:effectLst/>
+                <a:latin typeface="+mn-lt"/>
+                <a:ea typeface="Calibri" panose="020F0502020204030204" pitchFamily="34" charset="0"/>
+                <a:cs typeface="Calibri" panose="020F0502020204030204" pitchFamily="34" charset="0"/>
+              </a:rPr>
+              <a:t>", an Android app designed for safety and emergency purposes, unlike other apps that are only useful in hazardous or emergencies. This app can be used as a precautionary measure for women's protection, and in the event of an emergency, it assists to ensure their safety.</a:t>
             </a:r>
           </a:p>
           <a:p>
@@ -18323,7 +18458,7 @@
               <a:buChar char="v"/>
             </a:pPr>
             <a:r>
-              <a:rPr lang="en-US" sz="1650" b="0" i="0" dirty="0">
+              <a:rPr lang="en-US" sz="1800" b="0" i="0" dirty="0">
                 <a:solidFill>
                   <a:schemeClr val="bg1">
                     <a:lumMod val="95000"/>
@@ -18331,115 +18466,27 @@
                   </a:schemeClr>
                 </a:solidFill>
                 <a:effectLst/>
-                <a:latin typeface="inherit"/>
+                <a:latin typeface="+mn-lt"/>
+                <a:ea typeface="Calibri" panose="020F0502020204030204" pitchFamily="34" charset="0"/>
+                <a:cs typeface="Calibri" panose="020F0502020204030204" pitchFamily="34" charset="0"/>
               </a:rPr>
-              <a:t>Using available resources to escape unsafe situations effectively reduces the risk of violent crimes. To aid women in distress, an Android app is developed that facilitates easy help and escape, thereby promoting self-protection.</a:t>
+              <a:t>As the name suggests is an application that shields, protects, saves and guards oneself against danger. The main purpose of creating this program was to provide a safe environment through smartphones. A message is immediately sent to the police, containing the user's geographical location as well as the contact details of a pre-selected list of an emergency </a:t>
             </a:r>
-          </a:p>
-          <a:p>
-            <a:pPr marL="514350" indent="-285750" algn="l">
-              <a:buFont typeface="Wingdings" panose="05000000000000000000" pitchFamily="2" charset="2"/>
-              <a:buChar char="v"/>
-            </a:pPr>
             <a:r>
-              <a:rPr lang="en-US" sz="1650" i="0" dirty="0">
+              <a:rPr lang="en-US" sz="1800" dirty="0">
                 <a:solidFill>
                   <a:schemeClr val="bg1">
                     <a:lumMod val="95000"/>
                     <a:lumOff val="5000"/>
                   </a:schemeClr>
                 </a:solidFill>
-                <a:effectLst/>
-                <a:latin typeface="gg sans"/>
-              </a:rPr>
-              <a:t>Introducing </a:t>
-            </a:r>
-            <a:r>
-              <a:rPr lang="en-US" sz="1650" b="1" i="0" dirty="0">
-                <a:solidFill>
-                  <a:schemeClr val="tx2">
-                    <a:lumMod val="10000"/>
-                  </a:schemeClr>
-                </a:solidFill>
-                <a:effectLst/>
-                <a:latin typeface="gg sans"/>
-              </a:rPr>
-              <a:t>"SHESHIELD</a:t>
-            </a:r>
-            <a:r>
-              <a:rPr lang="en-US" sz="1650" i="0" dirty="0">
-                <a:solidFill>
-                  <a:schemeClr val="bg1">
-                    <a:lumMod val="95000"/>
-                    <a:lumOff val="5000"/>
-                  </a:schemeClr>
-                </a:solidFill>
-                <a:effectLst/>
-                <a:latin typeface="gg sans"/>
-              </a:rPr>
-              <a:t>", an Android app designed for safety and emergency purposes, unlike other apps that are only useful in hazardous or emergencies. This app can be used as a precautionary measure for women's protection, and in the event of an emergency, it assists to ensure their safety</a:t>
-            </a:r>
-            <a:r>
-              <a:rPr lang="en-US" sz="1650" i="0" dirty="0">
-                <a:solidFill>
-                  <a:schemeClr val="bg1">
-                    <a:lumMod val="95000"/>
-                    <a:lumOff val="5000"/>
-                  </a:schemeClr>
-                </a:solidFill>
-                <a:effectLst/>
-                <a:latin typeface="ff2"/>
-              </a:rPr>
-              <a:t>.</a:t>
-            </a:r>
-          </a:p>
-          <a:p>
-            <a:pPr marL="514350" indent="-285750">
-              <a:buFont typeface="Wingdings" panose="05000000000000000000" pitchFamily="2" charset="2"/>
-              <a:buChar char="v"/>
-            </a:pPr>
-            <a:r>
-              <a:rPr lang="en-US" sz="1650" b="0" i="0" dirty="0">
-                <a:solidFill>
-                  <a:schemeClr val="bg1">
-                    <a:lumMod val="95000"/>
-                    <a:lumOff val="5000"/>
-                  </a:schemeClr>
-                </a:solidFill>
-                <a:effectLst/>
-                <a:latin typeface="inherit"/>
-              </a:rPr>
-              <a:t>As the name suggests is an application that shields, protects, saves, and guards oneself against danger. The main purpose of creating this program was to provide a safe environment through smartphones. A message is immediately sent to the police, containing the user's geographical location as well as the contact details of a pre-selected list of an emergency      </a:t>
-            </a:r>
-            <a:r>
-              <a:rPr lang="en-US" dirty="0">
-                <a:solidFill>
-                  <a:schemeClr val="bg1">
-                    <a:lumMod val="95000"/>
-                    <a:lumOff val="5000"/>
-                  </a:schemeClr>
-                </a:solidFill>
-                <a:latin typeface="inherit"/>
+                <a:latin typeface="+mn-lt"/>
+                <a:ea typeface="Calibri" panose="020F0502020204030204" pitchFamily="34" charset="0"/>
+                <a:cs typeface="Calibri" panose="020F0502020204030204" pitchFamily="34" charset="0"/>
               </a:rPr>
               <a:t>contact.</a:t>
             </a:r>
-            <a:endParaRPr lang="en-US" sz="1650" b="0" i="0" dirty="0">
-              <a:solidFill>
-                <a:schemeClr val="bg1">
-                  <a:lumMod val="95000"/>
-                  <a:lumOff val="5000"/>
-                </a:schemeClr>
-              </a:solidFill>
-              <a:effectLst/>
-              <a:latin typeface="inherit"/>
-            </a:endParaRPr>
-          </a:p>
-          <a:p>
-            <a:pPr marL="514350" indent="-285750" algn="l">
-              <a:buFont typeface="Wingdings" panose="05000000000000000000" pitchFamily="2" charset="2"/>
-              <a:buChar char="v"/>
-            </a:pPr>
-            <a:endParaRPr lang="en-IN" sz="1650" dirty="0">
+            <a:endParaRPr lang="en-IN" sz="1800" dirty="0">
               <a:solidFill>
                 <a:schemeClr val="tx1">
                   <a:lumMod val="95000"/>
@@ -18447,7 +18494,7 @@
                 </a:schemeClr>
               </a:solidFill>
               <a:effectLst/>
-              <a:latin typeface="Calibri" panose="020F0502020204030204" pitchFamily="34" charset="0"/>
+              <a:latin typeface="+mn-lt"/>
               <a:ea typeface="Calibri" panose="020F0502020204030204" pitchFamily="34" charset="0"/>
               <a:cs typeface="Times New Roman" panose="02020603050405020304" pitchFamily="18" charset="0"/>
             </a:endParaRPr>
@@ -18524,8 +18571,8 @@
         </p:nvSpPr>
         <p:spPr>
           <a:xfrm>
-            <a:off x="7303655" y="239285"/>
-            <a:ext cx="4033520" cy="461624"/>
+            <a:off x="8443196" y="531749"/>
+            <a:ext cx="1807051" cy="461624"/>
           </a:xfrm>
           <a:prstGeom prst="rect">
             <a:avLst/>
@@ -18541,90 +18588,25 @@
           </a:bodyPr>
           <a:lstStyle/>
           <a:p>
-            <a:pPr marL="0" marR="0" lvl="0" indent="0" algn="ctr" rtl="0">
-              <a:spcBef>
-                <a:spcPts val="0"/>
-              </a:spcBef>
-              <a:spcAft>
-                <a:spcPts val="0"/>
-              </a:spcAft>
-              <a:buNone/>
+            <a:pPr marR="0" defTabSz="914400">
+              <a:buClr>
+                <a:schemeClr val="lt2"/>
+              </a:buClr>
+              <a:buSzPts val="1800"/>
             </a:pPr>
             <a:r>
-              <a:rPr lang="en-US" sz="2400" dirty="0">
-                <a:solidFill>
-                  <a:schemeClr val="bg1">
-                    <a:lumMod val="95000"/>
-                    <a:lumOff val="5000"/>
-                  </a:schemeClr>
-                </a:solidFill>
-                <a:latin typeface="Franklin Gothic"/>
-                <a:ea typeface="Franklin Gothic"/>
-                <a:cs typeface="Franklin Gothic"/>
+              <a:rPr lang="en-US" sz="2400" b="1" dirty="0">
+                <a:latin typeface="Cambria" panose="02040503050406030204" pitchFamily="18" charset="0"/>
+                <a:ea typeface="Cambria" panose="02040503050406030204" pitchFamily="18" charset="0"/>
                 <a:sym typeface="Franklin Gothic"/>
               </a:rPr>
-              <a:t>Flow Chart of our Idea   </a:t>
+              <a:t>Flow Chart   </a:t>
             </a:r>
-            <a:endParaRPr sz="2400" dirty="0">
-              <a:solidFill>
-                <a:schemeClr val="bg1">
-                  <a:lumMod val="95000"/>
-                  <a:lumOff val="5000"/>
-                </a:schemeClr>
-              </a:solidFill>
+            <a:endParaRPr sz="2400" b="1" dirty="0">
+              <a:latin typeface="Cambria" panose="02040503050406030204" pitchFamily="18" charset="0"/>
+              <a:ea typeface="Cambria" panose="02040503050406030204" pitchFamily="18" charset="0"/>
+              <a:sym typeface="Libre Franklin"/>
             </a:endParaRPr>
-          </a:p>
-        </p:txBody>
-      </p:sp>
-      <p:sp>
-        <p:nvSpPr>
-          <p:cNvPr id="15" name="Rectangle 14">
-            <a:extLst>
-              <a:ext uri="{FF2B5EF4-FFF2-40B4-BE49-F238E27FC236}">
-                <a16:creationId xmlns:a16="http://schemas.microsoft.com/office/drawing/2014/main" id="{30C1F179-5298-755C-9249-895BFCB20CA6}"/>
-              </a:ext>
-            </a:extLst>
-          </p:cNvPr>
-          <p:cNvSpPr/>
-          <p:nvPr/>
-        </p:nvSpPr>
-        <p:spPr>
-          <a:xfrm>
-            <a:off x="6553200" y="724705"/>
-            <a:ext cx="5534431" cy="6077521"/>
-          </a:xfrm>
-          <a:prstGeom prst="rect">
-            <a:avLst/>
-          </a:prstGeom>
-          <a:noFill/>
-          <a:ln>
-            <a:solidFill>
-              <a:schemeClr val="bg1"/>
-            </a:solidFill>
-          </a:ln>
-        </p:spPr>
-        <p:style>
-          <a:lnRef idx="2">
-            <a:schemeClr val="accent1">
-              <a:shade val="50000"/>
-            </a:schemeClr>
-          </a:lnRef>
-          <a:fillRef idx="1">
-            <a:schemeClr val="accent1"/>
-          </a:fillRef>
-          <a:effectRef idx="0">
-            <a:schemeClr val="accent1"/>
-          </a:effectRef>
-          <a:fontRef idx="minor">
-            <a:schemeClr val="lt1"/>
-          </a:fontRef>
-        </p:style>
-        <p:txBody>
-          <a:bodyPr rtlCol="0" anchor="ctr"/>
-          <a:lstStyle/>
-          <a:p>
-            <a:pPr algn="ctr"/>
-            <a:endParaRPr lang="en-IN" dirty="0"/>
           </a:p>
         </p:txBody>
       </p:sp>
@@ -18642,8 +18624,8 @@
         </p:nvGrpSpPr>
         <p:grpSpPr>
           <a:xfrm>
-            <a:off x="6929123" y="772298"/>
-            <a:ext cx="4612638" cy="5991581"/>
+            <a:off x="7035324" y="1004895"/>
+            <a:ext cx="4612638" cy="5716129"/>
             <a:chOff x="6929123" y="836000"/>
             <a:chExt cx="4612638" cy="5991581"/>
           </a:xfrm>
@@ -18683,7 +18665,7 @@
               <p:nvPr/>
             </p:nvPicPr>
             <p:blipFill rotWithShape="1">
-              <a:blip r:embed="rId3"/>
+              <a:blip r:embed="rId4"/>
               <a:srcRect l="11474" r="2735"/>
               <a:stretch/>
             </p:blipFill>
@@ -18712,7 +18694,7 @@
               <p:nvPr/>
             </p:nvPicPr>
             <p:blipFill>
-              <a:blip r:embed="rId4"/>
+              <a:blip r:embed="rId5"/>
               <a:stretch>
                 <a:fillRect/>
               </a:stretch>
@@ -18919,7 +18901,7 @@
             <p:nvPr/>
           </p:nvPicPr>
           <p:blipFill>
-            <a:blip r:embed="rId5"/>
+            <a:blip r:embed="rId6"/>
             <a:stretch>
               <a:fillRect/>
             </a:stretch>
@@ -18937,7 +18919,7 @@
       </p:grpSp>
       <mc:AlternateContent xmlns:mc="http://schemas.openxmlformats.org/markup-compatibility/2006" xmlns:p14="http://schemas.microsoft.com/office/powerpoint/2010/main">
         <mc:Choice Requires="p14">
-          <p:contentPart p14:bwMode="auto" r:id="rId6">
+          <p:contentPart p14:bwMode="auto" r:id="rId7">
             <p14:nvContentPartPr>
               <p14:cNvPr id="31" name="Ink 30">
                 <a:extLst>
@@ -18969,7 +18951,7 @@
               <p:nvPr/>
             </p:nvPicPr>
             <p:blipFill>
-              <a:blip r:embed="rId7"/>
+              <a:blip r:embed="rId8"/>
               <a:stretch>
                 <a:fillRect/>
               </a:stretch>
@@ -18997,6 +18979,35 @@
 <file path=ppt/slides/slide3.xml><?xml version="1.0" encoding="utf-8"?>
 <p:sld xmlns:a="http://schemas.openxmlformats.org/drawingml/2006/main" xmlns:r="http://schemas.openxmlformats.org/officeDocument/2006/relationships" xmlns:p="http://schemas.openxmlformats.org/presentationml/2006/main">
   <p:cSld>
+    <p:bg>
+      <p:bgPr>
+        <a:blipFill dpi="0" rotWithShape="1">
+          <a:blip r:embed="rId3">
+            <a:alphaModFix amt="65000"/>
+            <a:duotone>
+              <a:schemeClr val="bg2">
+                <a:shade val="88000"/>
+                <a:hueMod val="106000"/>
+                <a:satMod val="140000"/>
+                <a:lumMod val="54000"/>
+              </a:schemeClr>
+              <a:schemeClr val="bg2">
+                <a:tint val="98000"/>
+                <a:hueMod val="92000"/>
+                <a:satMod val="150000"/>
+                <a:lumMod val="150000"/>
+              </a:schemeClr>
+            </a:duotone>
+            <a:lum/>
+          </a:blip>
+          <a:srcRect/>
+          <a:stretch>
+            <a:fillRect/>
+          </a:stretch>
+        </a:blipFill>
+        <a:effectLst/>
+      </p:bgPr>
+    </p:bg>
     <p:spTree>
       <p:nvGrpSpPr>
         <p:cNvPr id="1" name="Shape 226"/>
@@ -19023,8 +19034,8 @@
         </p:nvSpPr>
         <p:spPr>
           <a:xfrm>
-            <a:off x="2601615" y="70488"/>
-            <a:ext cx="5780809" cy="610863"/>
+            <a:off x="2601613" y="18793"/>
+            <a:ext cx="7057952" cy="610863"/>
           </a:xfrm>
           <a:prstGeom prst="rect">
             <a:avLst/>
@@ -19065,14 +19076,16 @@
                   </a:schemeClr>
                 </a:solidFill>
               </a:rPr>
-              <a:t>    Idea/Approach Details</a:t>
+              <a:t>    </a:t>
             </a:r>
-            <a:endParaRPr sz="3600" dirty="0">
-              <a:solidFill>
-                <a:schemeClr val="tx2">
-                  <a:lumMod val="10000"/>
-                </a:schemeClr>
-              </a:solidFill>
+            <a:r>
+              <a:rPr lang="en-US" sz="3600" u="sng" dirty="0">
+                <a:latin typeface="Georgia" panose="02040502050405020303" pitchFamily="18" charset="0"/>
+              </a:rPr>
+              <a:t>Idea/Approach Details</a:t>
+            </a:r>
+            <a:endParaRPr sz="3600" u="sng" dirty="0">
+              <a:latin typeface="Georgia" panose="02040502050405020303" pitchFamily="18" charset="0"/>
             </a:endParaRPr>
           </a:p>
         </p:txBody>
@@ -19089,8 +19102,8 @@
         </p:nvSpPr>
         <p:spPr>
           <a:xfrm>
-            <a:off x="1" y="850392"/>
-            <a:ext cx="6164704" cy="5937120"/>
+            <a:off x="-14712" y="1257253"/>
+            <a:ext cx="6872711" cy="5494170"/>
           </a:xfrm>
           <a:prstGeom prst="rect">
             <a:avLst/>
@@ -19129,66 +19142,7 @@
               <a:buFont typeface="Wingdings" panose="05000000000000000000" pitchFamily="2" charset="2"/>
               <a:buChar char="Ø"/>
             </a:pPr>
-            <a:r>
-              <a:rPr lang="en-US" sz="1550" b="1" i="0" dirty="0">
-                <a:solidFill>
-                  <a:schemeClr val="bg1">
-                    <a:lumMod val="95000"/>
-                    <a:lumOff val="5000"/>
-                  </a:schemeClr>
-                </a:solidFill>
-                <a:effectLst/>
-                <a:latin typeface="Calibri" panose="020F0502020204030204" pitchFamily="34" charset="0"/>
-                <a:ea typeface="Calibri" panose="020F0502020204030204" pitchFamily="34" charset="0"/>
-                <a:cs typeface="Calibri" panose="020F0502020204030204" pitchFamily="34" charset="0"/>
-              </a:rPr>
-              <a:t>"SHESHIELD" </a:t>
-            </a:r>
-            <a:r>
-              <a:rPr lang="en-US" sz="1550" b="0" i="0" dirty="0">
-                <a:solidFill>
-                  <a:schemeClr val="bg1">
-                    <a:lumMod val="95000"/>
-                    <a:lumOff val="5000"/>
-                  </a:schemeClr>
-                </a:solidFill>
-                <a:effectLst/>
-                <a:latin typeface="Calibri" panose="020F0502020204030204" pitchFamily="34" charset="0"/>
-                <a:ea typeface="Calibri" panose="020F0502020204030204" pitchFamily="34" charset="0"/>
-                <a:cs typeface="Calibri" panose="020F0502020204030204" pitchFamily="34" charset="0"/>
-              </a:rPr>
-              <a:t>is an Android application that serves as a valuable tool for personal </a:t>
-            </a:r>
-            <a:r>
-              <a:rPr lang="en-US" sz="1550" dirty="0">
-                <a:solidFill>
-                  <a:schemeClr val="bg1">
-                    <a:lumMod val="95000"/>
-                    <a:lumOff val="5000"/>
-                  </a:schemeClr>
-                </a:solidFill>
-                <a:latin typeface="Calibri" panose="020F0502020204030204" pitchFamily="34" charset="0"/>
-                <a:ea typeface="Calibri" panose="020F0502020204030204" pitchFamily="34" charset="0"/>
-                <a:cs typeface="Calibri" panose="020F0502020204030204" pitchFamily="34" charset="0"/>
-              </a:rPr>
-              <a:t>S</a:t>
-            </a:r>
-            <a:r>
-              <a:rPr lang="en-US" sz="1550" b="0" i="0" dirty="0">
-                <a:solidFill>
-                  <a:schemeClr val="bg1">
-                    <a:lumMod val="95000"/>
-                    <a:lumOff val="5000"/>
-                  </a:schemeClr>
-                </a:solidFill>
-                <a:effectLst/>
-                <a:latin typeface="Calibri" panose="020F0502020204030204" pitchFamily="34" charset="0"/>
-                <a:ea typeface="Calibri" panose="020F0502020204030204" pitchFamily="34" charset="0"/>
-                <a:cs typeface="Calibri" panose="020F0502020204030204" pitchFamily="34" charset="0"/>
-              </a:rPr>
-              <a:t>ecurity. The system is powered by Artificial Intelligence, which forms the main functionality of the application. By leveraging AI, the system can accurately detect potential threats and provide the necessary help to ensure the safety of the user.</a:t>
-            </a:r>
-            <a:endParaRPr lang="en-US" sz="1550" dirty="0">
+            <a:endParaRPr lang="en-US" sz="1650" b="1" dirty="0">
               <a:solidFill>
                 <a:schemeClr val="bg1">
                   <a:lumMod val="95000"/>
@@ -19215,20 +19169,64 @@
                 <a:schemeClr val="dk1"/>
               </a:buClr>
               <a:buSzPts val="1600"/>
-              <a:buFont typeface="Noto Sans Symbols"/>
-              <a:buChar char="⮚"/>
+              <a:buFont typeface="Wingdings" panose="05000000000000000000" pitchFamily="2" charset="2"/>
+              <a:buChar char="Ø"/>
+            </a:pPr>
+            <a:endParaRPr lang="en-US" sz="1650" b="1" dirty="0">
+              <a:solidFill>
+                <a:schemeClr val="bg1">
+                  <a:lumMod val="95000"/>
+                  <a:lumOff val="5000"/>
+                </a:schemeClr>
+              </a:solidFill>
+              <a:latin typeface="Calibri" panose="020F0502020204030204" pitchFamily="34" charset="0"/>
+              <a:ea typeface="Calibri" panose="020F0502020204030204" pitchFamily="34" charset="0"/>
+              <a:cs typeface="Calibri" panose="020F0502020204030204" pitchFamily="34" charset="0"/>
+            </a:endParaRPr>
+          </a:p>
+          <a:p>
+            <a:pPr marL="0" lvl="0" indent="0" algn="l" rtl="0">
+              <a:lnSpc>
+                <a:spcPct val="90000"/>
+              </a:lnSpc>
+              <a:spcBef>
+                <a:spcPts val="0"/>
+              </a:spcBef>
+              <a:spcAft>
+                <a:spcPts val="0"/>
+              </a:spcAft>
+              <a:buClr>
+                <a:schemeClr val="dk1"/>
+              </a:buClr>
+              <a:buSzPts val="1600"/>
             </a:pPr>
             <a:r>
-              <a:rPr lang="en-IN" sz="1550" dirty="0">
+              <a:rPr lang="en-US" sz="1800" b="1" dirty="0">
                 <a:solidFill>
-                  <a:srgbClr val="000000"/>
+                  <a:schemeClr val="bg1">
+                    <a:lumMod val="95000"/>
+                    <a:lumOff val="5000"/>
+                  </a:schemeClr>
                 </a:solidFill>
-                <a:effectLst/>
-                <a:latin typeface="Calibri" panose="020F0502020204030204" pitchFamily="34" charset="0"/>
+                <a:latin typeface="+mn-lt"/>
                 <a:ea typeface="Calibri" panose="020F0502020204030204" pitchFamily="34" charset="0"/>
                 <a:cs typeface="Calibri" panose="020F0502020204030204" pitchFamily="34" charset="0"/>
               </a:rPr>
-              <a:t>The  purpose  of  this  project  is  to  develop  a  portable women’s safety software tool, which can be helpful in following cases</a:t>
+              <a:t>"SHESHIELD" </a:t>
+            </a:r>
+            <a:r>
+              <a:rPr lang="en-US" sz="1800" dirty="0">
+                <a:solidFill>
+                  <a:schemeClr val="bg1">
+                    <a:lumMod val="95000"/>
+                    <a:lumOff val="5000"/>
+                  </a:schemeClr>
+                </a:solidFill>
+                <a:latin typeface="+mn-lt"/>
+                <a:ea typeface="Calibri" panose="020F0502020204030204" pitchFamily="34" charset="0"/>
+                <a:cs typeface="Calibri" panose="020F0502020204030204" pitchFamily="34" charset="0"/>
+              </a:rPr>
+              <a:t>is an Android application that serves as a valuable tool for personal Security. The system is powered by Artificial Intelligence, which forms the main functionality of the application. </a:t>
             </a:r>
           </a:p>
           <a:p>
@@ -19240,24 +19238,32 @@
               <a:buAutoNum type="arabicPeriod"/>
             </a:pPr>
             <a:r>
-              <a:rPr lang="en-US" sz="1600" b="1" i="0" dirty="0">
+              <a:rPr lang="en-US" sz="1800" b="1" dirty="0">
                 <a:solidFill>
-                  <a:schemeClr val="bg1"/>
+                  <a:schemeClr val="bg1">
+                    <a:lumMod val="95000"/>
+                    <a:lumOff val="5000"/>
+                  </a:schemeClr>
                 </a:solidFill>
-                <a:effectLst/>
-                <a:latin typeface="Söhne"/>
+                <a:latin typeface="+mn-lt"/>
+                <a:ea typeface="Calibri" panose="020F0502020204030204" pitchFamily="34" charset="0"/>
+                <a:cs typeface="Calibri" panose="020F0502020204030204" pitchFamily="34" charset="0"/>
               </a:rPr>
               <a:t>Assault and harassment in public spaces: </a:t>
             </a:r>
             <a:r>
-              <a:rPr lang="en-US" sz="1600" b="0" i="0" dirty="0">
+              <a:rPr lang="en-US" sz="1800" dirty="0">
                 <a:solidFill>
-                  <a:schemeClr val="bg1"/>
+                  <a:schemeClr val="bg1">
+                    <a:lumMod val="95000"/>
+                    <a:lumOff val="5000"/>
+                  </a:schemeClr>
                 </a:solidFill>
-                <a:effectLst/>
-                <a:latin typeface="Söhne"/>
+                <a:latin typeface="+mn-lt"/>
+                <a:ea typeface="Calibri" panose="020F0502020204030204" pitchFamily="34" charset="0"/>
+                <a:cs typeface="Calibri" panose="020F0502020204030204" pitchFamily="34" charset="0"/>
               </a:rPr>
-              <a:t>Women are often subjected to unwanted attention, catcalling, and even physical assault when walking alone in public spaces. Our app provides user with a panic button and an emergency contact feature that can help her call for help in case of danger in with her accurate location coordinates sent to the law enforcements</a:t>
+              <a:t>Women are often subjected to unwanted attention, catcalling, and even physical assault. Our app provides user with a panic button and an emergency contact feature that can help her call for help in case of danger in with her accurate location coordinates sent to the law enforcements</a:t>
             </a:r>
           </a:p>
           <a:p>
@@ -19269,50 +19275,33 @@
               <a:buAutoNum type="arabicPeriod"/>
             </a:pPr>
             <a:r>
-              <a:rPr lang="en-US" b="1" i="0" dirty="0">
+              <a:rPr lang="en-US" sz="1800" b="1" dirty="0">
                 <a:solidFill>
-                  <a:schemeClr val="bg1"/>
+                  <a:schemeClr val="bg1">
+                    <a:lumMod val="95000"/>
+                    <a:lumOff val="5000"/>
+                  </a:schemeClr>
                 </a:solidFill>
-                <a:effectLst/>
-                <a:latin typeface="Söhne"/>
+                <a:latin typeface="+mn-lt"/>
+                <a:ea typeface="Calibri" panose="020F0502020204030204" pitchFamily="34" charset="0"/>
+                <a:cs typeface="Calibri" panose="020F0502020204030204" pitchFamily="34" charset="0"/>
               </a:rPr>
               <a:t>Domestic violence:</a:t>
             </a:r>
             <a:r>
-              <a:rPr lang="en-US" i="0" dirty="0">
+              <a:rPr lang="en-US" sz="1800" dirty="0">
                 <a:solidFill>
-                  <a:schemeClr val="bg1"/>
+                  <a:schemeClr val="bg1">
+                    <a:lumMod val="95000"/>
+                    <a:lumOff val="5000"/>
+                  </a:schemeClr>
                 </a:solidFill>
-                <a:effectLst/>
-                <a:latin typeface="Söhne"/>
+                <a:latin typeface="+mn-lt"/>
+                <a:ea typeface="Calibri" panose="020F0502020204030204" pitchFamily="34" charset="0"/>
+                <a:cs typeface="Calibri" panose="020F0502020204030204" pitchFamily="34" charset="0"/>
               </a:rPr>
-              <a:t> Many women experience domestic violence and are unable to seek help due to fear or lack of resources. Our app </a:t>
+              <a:t> Many women experience domestic violence and are unable to seek help due to fear or lack of resources. Our app works on a dynamic AI which can detect screams or call of help and can trigger an emergency protocol and inform the law enforcement organization</a:t>
             </a:r>
-            <a:r>
-              <a:rPr lang="en-US" dirty="0">
-                <a:solidFill>
-                  <a:schemeClr val="bg1"/>
-                </a:solidFill>
-                <a:latin typeface="Söhne"/>
-              </a:rPr>
-              <a:t>works on a dynamic AI which can detect screams or call of help and can trigger an emergency protocol and inform the law </a:t>
-            </a:r>
-            <a:r>
-              <a:rPr lang="en-US">
-                <a:solidFill>
-                  <a:schemeClr val="bg1"/>
-                </a:solidFill>
-                <a:latin typeface="Söhne"/>
-              </a:rPr>
-              <a:t>enforcement organization</a:t>
-            </a:r>
-            <a:endParaRPr lang="en-US" sz="1600" b="0" i="0" dirty="0">
-              <a:solidFill>
-                <a:srgbClr val="D1D5DB"/>
-              </a:solidFill>
-              <a:effectLst/>
-              <a:latin typeface="Söhne"/>
-            </a:endParaRPr>
           </a:p>
           <a:p>
             <a:pPr marL="342900" indent="-342900">
@@ -19323,41 +19312,33 @@
               <a:buAutoNum type="arabicPeriod"/>
             </a:pPr>
             <a:r>
-              <a:rPr lang="en-US" b="1" i="0" dirty="0">
+              <a:rPr lang="en-US" sz="1800" b="1" dirty="0">
                 <a:solidFill>
-                  <a:schemeClr val="bg1"/>
+                  <a:schemeClr val="bg1">
+                    <a:lumMod val="95000"/>
+                    <a:lumOff val="5000"/>
+                  </a:schemeClr>
                 </a:solidFill>
-                <a:effectLst/>
-                <a:latin typeface="Söhne"/>
+                <a:latin typeface="+mn-lt"/>
+                <a:ea typeface="Calibri" panose="020F0502020204030204" pitchFamily="34" charset="0"/>
+                <a:cs typeface="Calibri" panose="020F0502020204030204" pitchFamily="34" charset="0"/>
               </a:rPr>
               <a:t>Travel safety: </a:t>
             </a:r>
             <a:r>
-              <a:rPr lang="en-US" b="0" i="0" dirty="0">
+              <a:rPr lang="en-US" sz="1800" dirty="0">
                 <a:solidFill>
-                  <a:schemeClr val="bg1"/>
+                  <a:schemeClr val="bg1">
+                    <a:lumMod val="95000"/>
+                    <a:lumOff val="5000"/>
+                  </a:schemeClr>
                 </a:solidFill>
-                <a:effectLst/>
-                <a:latin typeface="Söhne"/>
+                <a:latin typeface="+mn-lt"/>
+                <a:ea typeface="Calibri" panose="020F0502020204030204" pitchFamily="34" charset="0"/>
+                <a:cs typeface="Calibri" panose="020F0502020204030204" pitchFamily="34" charset="0"/>
               </a:rPr>
-              <a:t>Many women travel alone for work or leisure and may feel vulnerable in unfamiliar places. Our app continuously monitors the route, </a:t>
+              <a:t>Our app continuously monitors the route, inside conversation between the user and anyone else inside the transport. Our AI can also detect whether the user is still near the device or not. </a:t>
             </a:r>
-            <a:r>
-              <a:rPr lang="en-US" dirty="0">
-                <a:solidFill>
-                  <a:schemeClr val="bg1"/>
-                </a:solidFill>
-                <a:latin typeface="Söhne"/>
-              </a:rPr>
-              <a:t>inside conversation between the user and anyone else inside the transport. Our AI can also detect whether the user is still near the device or not. If she is not near the device, our app will trigger a warring notification alert to check whether the user is fine and no dangerous activities are taking place inside or outside the vehicle.</a:t>
-            </a:r>
-            <a:endParaRPr lang="en-US" sz="1600" b="0" i="0" dirty="0">
-              <a:solidFill>
-                <a:srgbClr val="D1D5DB"/>
-              </a:solidFill>
-              <a:effectLst/>
-              <a:latin typeface="Söhne"/>
-            </a:endParaRPr>
           </a:p>
           <a:p>
             <a:pPr marL="342900" lvl="0" indent="-342900" algn="l" rtl="0">
@@ -19430,8 +19411,8 @@
         </p:nvSpPr>
         <p:spPr>
           <a:xfrm>
-            <a:off x="1031133" y="576098"/>
-            <a:ext cx="4838700" cy="315915"/>
+            <a:off x="1615458" y="1257253"/>
+            <a:ext cx="1972310" cy="515684"/>
           </a:xfrm>
           <a:prstGeom prst="rect">
             <a:avLst/>
@@ -19447,42 +19428,32 @@
           </a:bodyPr>
           <a:lstStyle/>
           <a:p>
-            <a:pPr marL="228600" lvl="0" indent="-228600" algn="l" rtl="0">
+            <a:pPr marL="0" indent="0" algn="ctr">
               <a:lnSpc>
-                <a:spcPct val="90000"/>
+                <a:spcPct val="100000"/>
               </a:lnSpc>
               <a:spcBef>
                 <a:spcPts val="0"/>
               </a:spcBef>
-              <a:spcAft>
-                <a:spcPts val="0"/>
-              </a:spcAft>
-              <a:buClr>
-                <a:schemeClr val="lt2"/>
-              </a:buClr>
-              <a:buSzPts val="1800"/>
-              <a:buNone/>
             </a:pPr>
             <a:r>
-              <a:rPr lang="en-US" dirty="0">
+              <a:rPr lang="en-US" sz="2400" b="1" dirty="0">
                 <a:solidFill>
-                  <a:srgbClr val="FF0000"/>
+                  <a:schemeClr val="tx1"/>
                 </a:solidFill>
+                <a:latin typeface="Cambria" panose="02040503050406030204" pitchFamily="18" charset="0"/>
+                <a:ea typeface="Cambria" panose="02040503050406030204" pitchFamily="18" charset="0"/>
+                <a:sym typeface="Libre Franklin"/>
               </a:rPr>
-              <a:t>Our</a:t>
+              <a:t>USE CASES</a:t>
             </a:r>
-            <a:r>
-              <a:rPr lang="en-US" sz="1800" dirty="0">
-                <a:solidFill>
-                  <a:srgbClr val="FF0000"/>
-                </a:solidFill>
-              </a:rPr>
-              <a:t> Use Cases here </a:t>
-            </a:r>
-            <a:endParaRPr dirty="0">
+            <a:endParaRPr sz="2200" b="1" dirty="0">
               <a:solidFill>
-                <a:srgbClr val="FF0000"/>
+                <a:schemeClr val="tx1"/>
               </a:solidFill>
+              <a:latin typeface="Cambria" panose="02040503050406030204" pitchFamily="18" charset="0"/>
+              <a:ea typeface="Cambria" panose="02040503050406030204" pitchFamily="18" charset="0"/>
+              <a:sym typeface="Libre Franklin"/>
             </a:endParaRPr>
           </a:p>
         </p:txBody>
@@ -19531,122 +19502,10 @@
       </p:sp>
       <p:sp>
         <p:nvSpPr>
-          <p:cNvPr id="231" name="Google Shape;231;p3"/>
-          <p:cNvSpPr txBox="1"/>
-          <p:nvPr/>
-        </p:nvSpPr>
-        <p:spPr>
-          <a:xfrm>
-            <a:off x="6329680" y="3622064"/>
-            <a:ext cx="5143500" cy="315915"/>
-          </a:xfrm>
-          <a:prstGeom prst="rect">
-            <a:avLst/>
-          </a:prstGeom>
-          <a:noFill/>
-          <a:ln>
-            <a:noFill/>
-          </a:ln>
-        </p:spPr>
-        <p:txBody>
-          <a:bodyPr spcFirstLastPara="1" wrap="square" lIns="91425" tIns="45700" rIns="91425" bIns="45700" anchor="t" anchorCtr="0">
-            <a:noAutofit/>
-          </a:bodyPr>
-          <a:lstStyle/>
-          <a:p>
-            <a:pPr marL="228600" marR="0" lvl="0" indent="-228600" algn="l" rtl="0">
-              <a:lnSpc>
-                <a:spcPct val="90000"/>
-              </a:lnSpc>
-              <a:spcBef>
-                <a:spcPts val="0"/>
-              </a:spcBef>
-              <a:spcAft>
-                <a:spcPts val="0"/>
-              </a:spcAft>
-              <a:buClr>
-                <a:schemeClr val="lt2"/>
-              </a:buClr>
-              <a:buSzPts val="1800"/>
-              <a:buFont typeface="Arial"/>
-              <a:buNone/>
-            </a:pPr>
-            <a:r>
-              <a:rPr lang="en-US" sz="1800" b="0" i="0" dirty="0">
-                <a:solidFill>
-                  <a:schemeClr val="tx1"/>
-                </a:solidFill>
-                <a:latin typeface="Franklin Gothic"/>
-                <a:ea typeface="Franklin Gothic"/>
-                <a:cs typeface="Franklin Gothic"/>
-                <a:sym typeface="Franklin Gothic"/>
-              </a:rPr>
-              <a:t>Describe your Dependencies / Show stopper here</a:t>
-            </a:r>
-            <a:endParaRPr dirty="0">
-              <a:solidFill>
-                <a:schemeClr val="tx1"/>
-              </a:solidFill>
-            </a:endParaRPr>
-          </a:p>
-        </p:txBody>
-      </p:sp>
-      <p:sp>
-        <p:nvSpPr>
-          <p:cNvPr id="232" name="Google Shape;232;p3"/>
-          <p:cNvSpPr txBox="1"/>
-          <p:nvPr/>
-        </p:nvSpPr>
-        <p:spPr>
-          <a:xfrm>
-            <a:off x="6164705" y="981598"/>
-            <a:ext cx="6027294" cy="5702258"/>
-          </a:xfrm>
-          <a:prstGeom prst="rect">
-            <a:avLst/>
-          </a:prstGeom>
-          <a:noFill/>
-          <a:ln w="9525" cap="flat" cmpd="sng">
-            <a:solidFill>
-              <a:schemeClr val="dk1"/>
-            </a:solidFill>
-            <a:prstDash val="solid"/>
-            <a:round/>
-            <a:headEnd type="none" w="sm" len="sm"/>
-            <a:tailEnd type="none" w="sm" len="sm"/>
-          </a:ln>
-        </p:spPr>
-        <p:txBody>
-          <a:bodyPr spcFirstLastPara="1" wrap="square" lIns="91425" tIns="45700" rIns="91425" bIns="45700" anchor="t" anchorCtr="0">
-            <a:noAutofit/>
-          </a:bodyPr>
-          <a:lstStyle/>
-          <a:p>
-            <a:pPr>
-              <a:lnSpc>
-                <a:spcPct val="90000"/>
-              </a:lnSpc>
-              <a:buClr>
-                <a:schemeClr val="dk1"/>
-              </a:buClr>
-              <a:buSzPts val="1600"/>
-            </a:pPr>
-            <a:endParaRPr lang="en-US" sz="1600" dirty="0">
-              <a:solidFill>
-                <a:schemeClr val="dk1"/>
-              </a:solidFill>
-              <a:latin typeface="Libre Franklin"/>
-              <a:sym typeface="Libre Franklin"/>
-            </a:endParaRPr>
-          </a:p>
-        </p:txBody>
-      </p:sp>
-      <p:sp>
-        <p:nvSpPr>
-          <p:cNvPr id="2" name="Google Shape;222;p2">
+          <p:cNvPr id="4" name="Google Shape;222;p2">
             <a:extLst>
               <a:ext uri="{FF2B5EF4-FFF2-40B4-BE49-F238E27FC236}">
-                <a16:creationId xmlns:a16="http://schemas.microsoft.com/office/drawing/2014/main" id="{E5062966-CC21-CA4A-7CD2-5D137A39DC37}"/>
+                <a16:creationId xmlns:a16="http://schemas.microsoft.com/office/drawing/2014/main" id="{D7195CC6-24BB-204B-46C9-1ACD42B008E1}"/>
               </a:ext>
             </a:extLst>
           </p:cNvPr>
@@ -19655,8 +19514,8 @@
         </p:nvSpPr>
         <p:spPr>
           <a:xfrm>
-            <a:off x="6164707" y="980174"/>
-            <a:ext cx="6027293" cy="5702258"/>
+            <a:off x="6934200" y="1196649"/>
+            <a:ext cx="5114352" cy="2508575"/>
           </a:xfrm>
           <a:prstGeom prst="rect">
             <a:avLst/>
@@ -19678,7 +19537,7 @@
           </a:bodyPr>
           <a:lstStyle/>
           <a:p>
-            <a:pPr marL="0" marR="0" lvl="0" indent="0" algn="l" rtl="0">
+            <a:pPr marL="0" marR="0" lvl="0" indent="0" algn="ctr" rtl="0">
               <a:lnSpc>
                 <a:spcPct val="100000"/>
               </a:lnSpc>
@@ -19695,154 +19554,39 @@
               <a:buFont typeface="Arial"/>
               <a:buNone/>
             </a:pPr>
-            <a:endParaRPr dirty="0">
-              <a:effectLst>
-                <a:outerShdw blurRad="50800" dist="50800" dir="5400000" algn="ctr" rotWithShape="0">
-                  <a:srgbClr val="000000">
-                    <a:alpha val="88000"/>
-                  </a:srgbClr>
-                </a:outerShdw>
-              </a:effectLst>
-            </a:endParaRPr>
-          </a:p>
-          <a:p>
-            <a:pPr marL="0" marR="0" lvl="0" indent="0" algn="l" rtl="0">
-              <a:lnSpc>
-                <a:spcPct val="100000"/>
-              </a:lnSpc>
-              <a:spcBef>
-                <a:spcPts val="1000"/>
-              </a:spcBef>
-              <a:spcAft>
-                <a:spcPts val="0"/>
-              </a:spcAft>
-              <a:buClr>
-                <a:schemeClr val="dk1"/>
-              </a:buClr>
-              <a:buSzPts val="1600"/>
-              <a:buFont typeface="Arial"/>
-              <a:buNone/>
-            </a:pPr>
-            <a:endParaRPr sz="1600" b="0" i="0" dirty="0">
-              <a:solidFill>
-                <a:schemeClr val="dk1"/>
-              </a:solidFill>
-              <a:effectLst>
-                <a:outerShdw blurRad="50800" dist="50800" dir="5400000" algn="ctr" rotWithShape="0">
-                  <a:srgbClr val="000000">
-                    <a:alpha val="88000"/>
-                  </a:srgbClr>
-                </a:outerShdw>
-              </a:effectLst>
-              <a:latin typeface="Libre Franklin"/>
-              <a:ea typeface="Libre Franklin"/>
-              <a:cs typeface="Libre Franklin"/>
-              <a:sym typeface="Libre Franklin"/>
-            </a:endParaRPr>
-          </a:p>
-        </p:txBody>
-      </p:sp>
-      <p:sp>
-        <p:nvSpPr>
-          <p:cNvPr id="4" name="Google Shape;222;p2">
-            <a:extLst>
-              <a:ext uri="{FF2B5EF4-FFF2-40B4-BE49-F238E27FC236}">
-                <a16:creationId xmlns:a16="http://schemas.microsoft.com/office/drawing/2014/main" id="{D7195CC6-24BB-204B-46C9-1ACD42B008E1}"/>
-              </a:ext>
-            </a:extLst>
-          </p:cNvPr>
-          <p:cNvSpPr txBox="1"/>
-          <p:nvPr/>
-        </p:nvSpPr>
-        <p:spPr>
-          <a:xfrm>
-            <a:off x="6329680" y="1176601"/>
-            <a:ext cx="5740400" cy="2444039"/>
-          </a:xfrm>
-          <a:prstGeom prst="rect">
-            <a:avLst/>
-          </a:prstGeom>
-          <a:noFill/>
-          <a:ln w="9525" cap="flat" cmpd="sng">
-            <a:solidFill>
-              <a:schemeClr val="dk1"/>
-            </a:solidFill>
-            <a:prstDash val="solid"/>
-            <a:round/>
-            <a:headEnd type="none" w="sm" len="sm"/>
-            <a:tailEnd type="none" w="sm" len="sm"/>
-          </a:ln>
-        </p:spPr>
-        <p:txBody>
-          <a:bodyPr spcFirstLastPara="1" wrap="square" lIns="0" tIns="0" rIns="0" bIns="0" anchor="t" anchorCtr="0">
-            <a:noAutofit/>
-          </a:bodyPr>
-          <a:lstStyle/>
-          <a:p>
-            <a:pPr marL="0" marR="0" lvl="0" indent="0" algn="l" rtl="0">
-              <a:lnSpc>
-                <a:spcPct val="100000"/>
-              </a:lnSpc>
-              <a:spcBef>
-                <a:spcPts val="0"/>
-              </a:spcBef>
-              <a:spcAft>
-                <a:spcPts val="0"/>
-              </a:spcAft>
-              <a:buClr>
-                <a:schemeClr val="lt2"/>
-              </a:buClr>
-              <a:buSzPts val="1800"/>
-              <a:buFont typeface="Arial"/>
-              <a:buNone/>
-            </a:pPr>
             <a:r>
-              <a:rPr lang="en-US" sz="1800" b="0" i="0" dirty="0">
+              <a:rPr lang="en-US" sz="2400" b="1" i="0" dirty="0">
                 <a:latin typeface="Franklin Gothic"/>
                 <a:ea typeface="Franklin Gothic"/>
                 <a:cs typeface="Franklin Gothic"/>
                 <a:sym typeface="Franklin Gothic"/>
               </a:rPr>
-              <a:t>                   </a:t>
+              <a:t>  </a:t>
             </a:r>
             <a:r>
-              <a:rPr lang="en-US" dirty="0">
-                <a:solidFill>
-                  <a:srgbClr val="FF0000"/>
-                </a:solidFill>
-                <a:latin typeface="Franklin Gothic"/>
-                <a:ea typeface="Franklin Gothic"/>
+              <a:rPr lang="en-US" sz="2400" b="1" i="0" dirty="0">
+                <a:latin typeface="Cambria" panose="02040503050406030204" pitchFamily="18" charset="0"/>
+                <a:ea typeface="Cambria" panose="02040503050406030204" pitchFamily="18" charset="0"/>
                 <a:cs typeface="Franklin Gothic"/>
                 <a:sym typeface="Franklin Gothic"/>
               </a:rPr>
-              <a:t>Our</a:t>
+              <a:t>TECH</a:t>
             </a:r>
             <a:r>
-              <a:rPr lang="en-US" sz="1800" b="0" i="0" dirty="0">
-                <a:solidFill>
-                  <a:srgbClr val="FF0000"/>
-                </a:solidFill>
-                <a:latin typeface="Franklin Gothic"/>
-                <a:ea typeface="Franklin Gothic"/>
+              <a:rPr lang="en-US" sz="2400" b="1" dirty="0">
+                <a:latin typeface="Cambria" panose="02040503050406030204" pitchFamily="18" charset="0"/>
+                <a:ea typeface="Cambria" panose="02040503050406030204" pitchFamily="18" charset="0"/>
                 <a:cs typeface="Franklin Gothic"/>
                 <a:sym typeface="Franklin Gothic"/>
               </a:rPr>
-              <a:t> Technology stack here</a:t>
+              <a:t>NOLOGY STACK</a:t>
             </a:r>
-            <a:r>
-              <a:rPr lang="en-US" sz="1600" b="0" i="0" dirty="0">
-                <a:solidFill>
-                  <a:schemeClr val="tx2">
-                    <a:lumMod val="10000"/>
-                  </a:schemeClr>
-                </a:solidFill>
-                <a:latin typeface="Libre Franklin"/>
-                <a:ea typeface="Libre Franklin"/>
-                <a:cs typeface="Libre Franklin"/>
-                <a:sym typeface="Libre Franklin"/>
-              </a:rPr>
-              <a:t>:</a:t>
-            </a:r>
+            <a:endParaRPr lang="en-US" sz="2200" b="1" i="0" dirty="0">
+              <a:latin typeface="Cambria" panose="02040503050406030204" pitchFamily="18" charset="0"/>
+              <a:ea typeface="Cambria" panose="02040503050406030204" pitchFamily="18" charset="0"/>
+              <a:cs typeface="Libre Franklin"/>
+              <a:sym typeface="Libre Franklin"/>
+            </a:endParaRPr>
           </a:p>
           <a:p>
             <a:pPr marL="285750" marR="0" lvl="0" indent="-285750" algn="l" rtl="0">
@@ -19876,7 +19620,7 @@
             </a:endParaRPr>
           </a:p>
           <a:p>
-            <a:pPr marL="285750" marR="0" lvl="0" indent="-285750" algn="l" rtl="0">
+            <a:pPr marL="285750" marR="0" lvl="0" indent="-285750" rtl="0">
               <a:lnSpc>
                 <a:spcPct val="100000"/>
               </a:lnSpc>
@@ -19894,32 +19638,85 @@
               <a:buChar char="Ø"/>
             </a:pPr>
             <a:r>
-              <a:rPr lang="en-US" sz="1550" b="0" i="0" dirty="0">
+              <a:rPr lang="en-US" sz="2000" dirty="0">
                 <a:solidFill>
                   <a:schemeClr val="bg1">
                     <a:lumMod val="95000"/>
                     <a:lumOff val="5000"/>
                   </a:schemeClr>
                 </a:solidFill>
-                <a:effectLst/>
-                <a:latin typeface="Calibri" panose="020F0502020204030204" pitchFamily="34" charset="0"/>
                 <a:ea typeface="Calibri" panose="020F0502020204030204" pitchFamily="34" charset="0"/>
                 <a:cs typeface="Calibri" panose="020F0502020204030204" pitchFamily="34" charset="0"/>
+                <a:sym typeface="Libre Franklin"/>
               </a:rPr>
-              <a:t>Python and Java are popular programming languages used to develop and execute applications. Additionally, the Kivy framework in Python provides a powerful toolkit for building user interfaces and developing cross-platform applications with ease. Combining these technologies can enable developers to create robust and scalable applications that deliver a rich and engaging user experience.</a:t>
+              <a:t>PYTHON</a:t>
             </a:r>
-            <a:endParaRPr lang="en-US" sz="1550" b="0" i="0" dirty="0">
-              <a:solidFill>
-                <a:schemeClr val="bg1">
-                  <a:lumMod val="95000"/>
-                  <a:lumOff val="5000"/>
-                </a:schemeClr>
-              </a:solidFill>
-              <a:latin typeface="Calibri" panose="020F0502020204030204" pitchFamily="34" charset="0"/>
-              <a:ea typeface="Calibri" panose="020F0502020204030204" pitchFamily="34" charset="0"/>
-              <a:cs typeface="Calibri" panose="020F0502020204030204" pitchFamily="34" charset="0"/>
-              <a:sym typeface="Libre Franklin"/>
-            </a:endParaRPr>
+          </a:p>
+          <a:p>
+            <a:pPr marL="285750" marR="0" lvl="0" indent="-285750" rtl="0">
+              <a:lnSpc>
+                <a:spcPct val="100000"/>
+              </a:lnSpc>
+              <a:spcBef>
+                <a:spcPts val="0"/>
+              </a:spcBef>
+              <a:spcAft>
+                <a:spcPts val="0"/>
+              </a:spcAft>
+              <a:buClr>
+                <a:schemeClr val="lt2"/>
+              </a:buClr>
+              <a:buSzPts val="1800"/>
+              <a:buFont typeface="Wingdings" panose="05000000000000000000" pitchFamily="2" charset="2"/>
+              <a:buChar char="Ø"/>
+            </a:pPr>
+            <a:r>
+              <a:rPr lang="en-US" sz="2000" dirty="0">
+                <a:solidFill>
+                  <a:schemeClr val="bg1">
+                    <a:lumMod val="95000"/>
+                    <a:lumOff val="5000"/>
+                  </a:schemeClr>
+                </a:solidFill>
+                <a:ea typeface="Calibri" panose="020F0502020204030204" pitchFamily="34" charset="0"/>
+                <a:cs typeface="Calibri" panose="020F0502020204030204" pitchFamily="34" charset="0"/>
+                <a:sym typeface="Libre Franklin"/>
+              </a:rPr>
+              <a:t>JAVA </a:t>
+            </a:r>
+          </a:p>
+          <a:p>
+            <a:pPr marL="285750" marR="0" lvl="0" indent="-285750" rtl="0">
+              <a:lnSpc>
+                <a:spcPct val="100000"/>
+              </a:lnSpc>
+              <a:spcBef>
+                <a:spcPts val="0"/>
+              </a:spcBef>
+              <a:spcAft>
+                <a:spcPts val="0"/>
+              </a:spcAft>
+              <a:buClr>
+                <a:schemeClr val="lt2"/>
+              </a:buClr>
+              <a:buSzPts val="1800"/>
+              <a:buFont typeface="Wingdings" panose="05000000000000000000" pitchFamily="2" charset="2"/>
+              <a:buChar char="Ø"/>
+            </a:pPr>
+            <a:r>
+              <a:rPr lang="en-US" sz="2000" dirty="0">
+                <a:solidFill>
+                  <a:schemeClr val="bg1">
+                    <a:lumMod val="95000"/>
+                    <a:lumOff val="5000"/>
+                  </a:schemeClr>
+                </a:solidFill>
+                <a:ea typeface="Calibri" panose="020F0502020204030204" pitchFamily="34" charset="0"/>
+                <a:cs typeface="Calibri" panose="020F0502020204030204" pitchFamily="34" charset="0"/>
+                <a:sym typeface="Libre Franklin"/>
+              </a:rPr>
+              <a:t>ANDROID STUDIO</a:t>
+            </a:r>
           </a:p>
           <a:p>
             <a:pPr marL="0" marR="0" lvl="0" indent="0" algn="l" rtl="0">
@@ -19963,8 +19760,8 @@
         </p:nvSpPr>
         <p:spPr>
           <a:xfrm>
-            <a:off x="6308152" y="4025336"/>
-            <a:ext cx="5740400" cy="2252399"/>
+            <a:off x="6934200" y="3914774"/>
+            <a:ext cx="5114352" cy="2836649"/>
           </a:xfrm>
           <a:prstGeom prst="rect">
             <a:avLst/>
@@ -19986,56 +19783,54 @@
           </a:bodyPr>
           <a:lstStyle/>
           <a:p>
-            <a:pPr marL="0" marR="0" lvl="0" indent="0" algn="l" rtl="0">
-              <a:lnSpc>
-                <a:spcPct val="100000"/>
-              </a:lnSpc>
-              <a:spcBef>
-                <a:spcPts val="0"/>
-              </a:spcBef>
-              <a:spcAft>
-                <a:spcPts val="0"/>
-              </a:spcAft>
+            <a:pPr algn="ctr">
               <a:buClr>
                 <a:schemeClr val="lt2"/>
               </a:buClr>
               <a:buSzPts val="1800"/>
-              <a:buFont typeface="Arial"/>
-              <a:buNone/>
             </a:pPr>
             <a:r>
               <a:rPr lang="en-US" sz="1800" b="0" i="0" dirty="0">
-                <a:latin typeface="Franklin Gothic"/>
+                <a:latin typeface="+mj-lt"/>
                 <a:ea typeface="Franklin Gothic"/>
                 <a:cs typeface="Franklin Gothic"/>
                 <a:sym typeface="Franklin Gothic"/>
               </a:rPr>
-              <a:t>                   </a:t>
+              <a:t> </a:t>
             </a:r>
             <a:r>
-              <a:rPr lang="en-US" dirty="0">
-                <a:solidFill>
-                  <a:srgbClr val="FF0000"/>
-                </a:solidFill>
-                <a:latin typeface="Franklin Gothic"/>
+              <a:rPr lang="en-US" sz="2200" b="0" i="0" dirty="0">
+                <a:latin typeface="+mj-lt"/>
                 <a:ea typeface="Franklin Gothic"/>
                 <a:cs typeface="Franklin Gothic"/>
                 <a:sym typeface="Franklin Gothic"/>
               </a:rPr>
-              <a:t>Our Dependencies/Show Stopper here:</a:t>
+              <a:t>  </a:t>
             </a:r>
+            <a:r>
+              <a:rPr lang="en-US" sz="2400" dirty="0">
+                <a:latin typeface="+mj-lt"/>
+                <a:ea typeface="Franklin Gothic"/>
+                <a:cs typeface="Franklin Gothic"/>
+                <a:sym typeface="Franklin Gothic"/>
+              </a:rPr>
+              <a:t>SHOW STOPPER</a:t>
+            </a:r>
+            <a:endParaRPr lang="en-US" sz="2400" dirty="0">
+              <a:solidFill>
+                <a:schemeClr val="bg1">
+                  <a:lumMod val="95000"/>
+                  <a:lumOff val="5000"/>
+                </a:schemeClr>
+              </a:solidFill>
+              <a:latin typeface="+mj-lt"/>
+              <a:ea typeface="Calibri" panose="020F0502020204030204" pitchFamily="34" charset="0"/>
+              <a:cs typeface="Calibri" panose="020F0502020204030204" pitchFamily="34" charset="0"/>
+              <a:sym typeface="Franklin Gothic"/>
+            </a:endParaRPr>
           </a:p>
           <a:p>
-            <a:pPr marL="285750" marR="0" lvl="0" indent="-285750" algn="l" rtl="0">
-              <a:lnSpc>
-                <a:spcPct val="100000"/>
-              </a:lnSpc>
-              <a:spcBef>
-                <a:spcPts val="0"/>
-              </a:spcBef>
-              <a:spcAft>
-                <a:spcPts val="0"/>
-              </a:spcAft>
+            <a:pPr marL="285750" indent="-285750">
               <a:buClr>
                 <a:schemeClr val="lt2"/>
               </a:buClr>
@@ -20043,30 +19838,20 @@
               <a:buFont typeface="Wingdings" panose="05000000000000000000" pitchFamily="2" charset="2"/>
               <a:buChar char="Ø"/>
             </a:pPr>
-            <a:endParaRPr lang="en-US" sz="1600" b="0" i="0" dirty="0">
+            <a:endParaRPr lang="en-US" sz="1650" dirty="0">
               <a:solidFill>
                 <a:schemeClr val="bg1">
                   <a:lumMod val="95000"/>
                   <a:lumOff val="5000"/>
                 </a:schemeClr>
               </a:solidFill>
-              <a:effectLst/>
               <a:latin typeface="Calibri" panose="020F0502020204030204" pitchFamily="34" charset="0"/>
               <a:ea typeface="Calibri" panose="020F0502020204030204" pitchFamily="34" charset="0"/>
               <a:cs typeface="Calibri" panose="020F0502020204030204" pitchFamily="34" charset="0"/>
             </a:endParaRPr>
           </a:p>
           <a:p>
-            <a:pPr marL="285750" marR="0" lvl="0" indent="-285750" algn="l" rtl="0">
-              <a:lnSpc>
-                <a:spcPct val="100000"/>
-              </a:lnSpc>
-              <a:spcBef>
-                <a:spcPts val="0"/>
-              </a:spcBef>
-              <a:spcAft>
-                <a:spcPts val="0"/>
-              </a:spcAft>
+            <a:pPr marL="285750" indent="-285750">
               <a:buClr>
                 <a:schemeClr val="lt2"/>
               </a:buClr>
@@ -20075,58 +19860,68 @@
               <a:buChar char="Ø"/>
             </a:pPr>
             <a:r>
-              <a:rPr lang="en-US" sz="1600" b="0" i="0" dirty="0">
+              <a:rPr lang="en-US" dirty="0">
                 <a:solidFill>
                   <a:schemeClr val="bg1">
                     <a:lumMod val="95000"/>
                     <a:lumOff val="5000"/>
                   </a:schemeClr>
                 </a:solidFill>
-                <a:effectLst/>
-                <a:latin typeface="Calibri" panose="020F0502020204030204" pitchFamily="34" charset="0"/>
                 <a:ea typeface="Calibri" panose="020F0502020204030204" pitchFamily="34" charset="0"/>
                 <a:cs typeface="Calibri" panose="020F0502020204030204" pitchFamily="34" charset="0"/>
               </a:rPr>
-              <a:t>When dealing with a large dataset, building an AI can present challenges. The sheer size of the data can make it difficult to </a:t>
+              <a:t>If the user becomes inactive due to low device battery, user falls asleep or is unavailable to attend to the warning.</a:t>
             </a:r>
+          </a:p>
+          <a:p>
+            <a:pPr marL="285750" indent="-285750">
+              <a:buClr>
+                <a:schemeClr val="lt2"/>
+              </a:buClr>
+              <a:buSzPts val="1800"/>
+              <a:buFont typeface="Wingdings" panose="05000000000000000000" pitchFamily="2" charset="2"/>
+              <a:buChar char="Ø"/>
+            </a:pPr>
+            <a:endParaRPr lang="en-US" dirty="0">
+              <a:solidFill>
+                <a:schemeClr val="bg1">
+                  <a:lumMod val="95000"/>
+                  <a:lumOff val="5000"/>
+                </a:schemeClr>
+              </a:solidFill>
+              <a:ea typeface="Calibri" panose="020F0502020204030204" pitchFamily="34" charset="0"/>
+              <a:cs typeface="Calibri" panose="020F0502020204030204" pitchFamily="34" charset="0"/>
+            </a:endParaRPr>
+          </a:p>
+          <a:p>
+            <a:pPr marL="285750" indent="-285750">
+              <a:buClr>
+                <a:schemeClr val="lt2"/>
+              </a:buClr>
+              <a:buSzPts val="1800"/>
+              <a:buFont typeface="Wingdings" panose="05000000000000000000" pitchFamily="2" charset="2"/>
+              <a:buChar char="Ø"/>
+            </a:pPr>
             <a:r>
-              <a:rPr lang="en-IN" sz="1600" b="0" i="0" dirty="0">
+              <a:rPr lang="en-US" dirty="0">
                 <a:solidFill>
                   <a:schemeClr val="bg1">
                     <a:lumMod val="95000"/>
                     <a:lumOff val="5000"/>
                   </a:schemeClr>
                 </a:solidFill>
-                <a:effectLst/>
-                <a:latin typeface="Calibri" panose="020F0502020204030204" pitchFamily="34" charset="0"/>
                 <a:ea typeface="Calibri" panose="020F0502020204030204" pitchFamily="34" charset="0"/>
                 <a:cs typeface="Calibri" panose="020F0502020204030204" pitchFamily="34" charset="0"/>
               </a:rPr>
-              <a:t>analyse effectively.</a:t>
+              <a:t>The Lack of data also presents a problem for our AI model.</a:t>
             </a:r>
-            <a:r>
-              <a:rPr lang="en-US" sz="1600" b="0" i="0" dirty="0">
-                <a:solidFill>
-                  <a:schemeClr val="bg1">
-                    <a:lumMod val="95000"/>
-                    <a:lumOff val="5000"/>
-                  </a:schemeClr>
-                </a:solidFill>
-                <a:effectLst/>
-                <a:latin typeface="Calibri" panose="020F0502020204030204" pitchFamily="34" charset="0"/>
-                <a:ea typeface="Calibri" panose="020F0502020204030204" pitchFamily="34" charset="0"/>
-                <a:cs typeface="Calibri" panose="020F0502020204030204" pitchFamily="34" charset="0"/>
-              </a:rPr>
-              <a:t> Additionally, training an AI model on a large dataset can be a resource-intensive task, requiring significant computational power and time.</a:t>
-            </a:r>
-            <a:endParaRPr sz="1600" dirty="0">
+            <a:endParaRPr dirty="0">
               <a:solidFill>
                 <a:schemeClr val="bg1">
                   <a:lumMod val="95000"/>
                   <a:lumOff val="5000"/>
                 </a:schemeClr>
               </a:solidFill>
-              <a:latin typeface="Calibri" panose="020F0502020204030204" pitchFamily="34" charset="0"/>
               <a:ea typeface="Calibri" panose="020F0502020204030204" pitchFamily="34" charset="0"/>
               <a:cs typeface="Calibri" panose="020F0502020204030204" pitchFamily="34" charset="0"/>
             </a:endParaRPr>
@@ -20170,7 +19965,7 @@
         </p:nvSpPr>
         <p:spPr>
           <a:xfrm>
-            <a:off x="221908" y="254594"/>
+            <a:off x="2756951" y="136413"/>
             <a:ext cx="6617507" cy="610863"/>
           </a:xfrm>
           <a:prstGeom prst="rect">
@@ -20187,41 +19982,17 @@
           </a:bodyPr>
           <a:lstStyle/>
           <a:p>
-            <a:pPr marL="0" lvl="0" indent="0" algn="l" rtl="0">
-              <a:lnSpc>
-                <a:spcPct val="90000"/>
-              </a:lnSpc>
-              <a:spcBef>
-                <a:spcPts val="0"/>
-              </a:spcBef>
-              <a:spcAft>
-                <a:spcPts val="0"/>
-              </a:spcAft>
-              <a:buClr>
-                <a:schemeClr val="dk1"/>
-              </a:buClr>
-              <a:buSzPts val="4400"/>
-              <a:buFont typeface="Franklin Gothic"/>
-              <a:buNone/>
+            <a:pPr algn="ctr">
+              <a:buSzPct val="100000"/>
             </a:pPr>
             <a:r>
-              <a:rPr lang="en-US" sz="4000" dirty="0">
-                <a:solidFill>
-                  <a:schemeClr val="bg1">
-                    <a:lumMod val="95000"/>
-                    <a:lumOff val="5000"/>
-                  </a:schemeClr>
-                </a:solidFill>
+              <a:rPr lang="en-US" sz="3600" u="sng" dirty="0">
+                <a:latin typeface="Georgia" panose="02040502050405020303" pitchFamily="18" charset="0"/>
               </a:rPr>
               <a:t>Team Member Details </a:t>
             </a:r>
-            <a:endParaRPr sz="4000" dirty="0">
-              <a:solidFill>
-                <a:schemeClr val="bg1">
-                  <a:lumMod val="95000"/>
-                  <a:lumOff val="5000"/>
-                </a:schemeClr>
-              </a:solidFill>
+            <a:endParaRPr sz="3600" u="sng" dirty="0">
+              <a:latin typeface="Georgia" panose="02040502050405020303" pitchFamily="18" charset="0"/>
             </a:endParaRPr>
           </a:p>
         </p:txBody>
@@ -20235,7 +20006,7 @@
           <p:nvPr>
             <p:extLst>
               <p:ext uri="{D42A27DB-BD31-4B8C-83A1-F6EECF244321}">
-                <p14:modId xmlns:p14="http://schemas.microsoft.com/office/powerpoint/2010/main" val="3094912191"/>
+                <p14:modId xmlns:p14="http://schemas.microsoft.com/office/powerpoint/2010/main" val="1128578436"/>
               </p:ext>
             </p:extLst>
           </p:nvPr>
@@ -20301,7 +20072,9 @@
                     <a:lstStyle/>
                     <a:p>
                       <a:r>
-                        <a:rPr lang="en-US" sz="1500" dirty="0"/>
+                        <a:rPr lang="en-US" sz="1500" dirty="0">
+                          <a:latin typeface="+mn-lt"/>
+                        </a:rPr>
                         <a:t>Sr. No.</a:t>
                       </a:r>
                     </a:p>
@@ -20314,14 +20087,20 @@
                     <a:lstStyle/>
                     <a:p>
                       <a:r>
-                        <a:rPr lang="en-US" sz="1500" dirty="0"/>
+                        <a:rPr lang="en-US" sz="1500" dirty="0">
+                          <a:latin typeface="+mn-lt"/>
+                        </a:rPr>
                         <a:t>Name of Team Member</a:t>
                       </a:r>
                       <a:r>
-                        <a:rPr lang="en-US" sz="1500" baseline="0" dirty="0"/>
+                        <a:rPr lang="en-US" sz="1500" baseline="0" dirty="0">
+                          <a:latin typeface="+mn-lt"/>
+                        </a:rPr>
                         <a:t> </a:t>
                       </a:r>
-                      <a:endParaRPr lang="en-US" sz="1500" dirty="0"/>
+                      <a:endParaRPr lang="en-US" sz="1500" dirty="0">
+                        <a:latin typeface="+mn-lt"/>
+                      </a:endParaRPr>
                     </a:p>
                   </a:txBody>
                   <a:tcPr/>
@@ -20332,15 +20111,21 @@
                     <a:lstStyle/>
                     <a:p>
                       <a:r>
-                        <a:rPr lang="en-US" sz="1500" dirty="0"/>
+                        <a:rPr lang="en-US" sz="1500" dirty="0">
+                          <a:latin typeface="+mn-lt"/>
+                        </a:rPr>
                         <a:t>Course</a:t>
                       </a:r>
                       <a:r>
-                        <a:rPr lang="en-US" sz="1500" baseline="0" dirty="0"/>
+                        <a:rPr lang="en-US" sz="1500" baseline="0" dirty="0">
+                          <a:latin typeface="+mn-lt"/>
+                        </a:rPr>
                         <a:t> </a:t>
                       </a:r>
                       <a:r>
-                        <a:rPr lang="en-US" sz="1500" dirty="0"/>
+                        <a:rPr lang="en-US" sz="1500" dirty="0">
+                          <a:latin typeface="+mn-lt"/>
+                        </a:rPr>
                         <a:t>(B.Tech/MBA etc.):</a:t>
                       </a:r>
                     </a:p>
@@ -20353,7 +20138,9 @@
                     <a:lstStyle/>
                     <a:p>
                       <a:r>
-                        <a:rPr lang="en-US" sz="1500" dirty="0"/>
+                        <a:rPr lang="en-US" sz="1500" dirty="0">
+                          <a:latin typeface="+mn-lt"/>
+                        </a:rPr>
                         <a:t>Stream (ECE, CSE etc.):</a:t>
                       </a:r>
                     </a:p>
@@ -20383,15 +20170,21 @@
                         <a:defRPr/>
                       </a:pPr>
                       <a:r>
-                        <a:rPr lang="en-US" sz="1500" dirty="0"/>
+                        <a:rPr lang="en-US" sz="1500" dirty="0">
+                          <a:latin typeface="+mn-lt"/>
+                        </a:rPr>
                         <a:t>Year</a:t>
                       </a:r>
                     </a:p>
                     <a:p>
-                      <a:endParaRPr lang="en-US" sz="1500" dirty="0"/>
+                      <a:endParaRPr lang="en-US" sz="1500" dirty="0">
+                        <a:latin typeface="+mn-lt"/>
+                      </a:endParaRPr>
                     </a:p>
                     <a:p>
-                      <a:endParaRPr lang="en-US" sz="1500" dirty="0"/>
+                      <a:endParaRPr lang="en-US" sz="1500" dirty="0">
+                        <a:latin typeface="+mn-lt"/>
+                      </a:endParaRPr>
                     </a:p>
                   </a:txBody>
                   <a:tcPr/>
@@ -20402,14 +20195,20 @@
                     <a:lstStyle/>
                     <a:p>
                       <a:r>
-                        <a:rPr lang="en-US" sz="1500" dirty="0"/>
+                        <a:rPr lang="en-US" sz="1500" dirty="0">
+                          <a:latin typeface="+mn-lt"/>
+                        </a:rPr>
                         <a:t>Position</a:t>
                       </a:r>
                       <a:r>
-                        <a:rPr lang="en-US" sz="1500" baseline="0" dirty="0"/>
+                        <a:rPr lang="en-US" sz="1500" baseline="0" dirty="0">
+                          <a:latin typeface="+mn-lt"/>
+                        </a:rPr>
                         <a:t> in team (Team Leader, Front end Developer, Back end Developer, Full Stack, Data base management etc.)</a:t>
                       </a:r>
-                      <a:endParaRPr lang="en-US" sz="1500" dirty="0"/>
+                      <a:endParaRPr lang="en-US" sz="1500" dirty="0">
+                        <a:latin typeface="+mn-lt"/>
+                      </a:endParaRPr>
                     </a:p>
                   </a:txBody>
                   <a:tcPr/>
@@ -20427,7 +20226,9 @@
                     <a:lstStyle/>
                     <a:p>
                       <a:r>
-                        <a:rPr lang="en-US" sz="1500" dirty="0"/>
+                        <a:rPr lang="en-US" sz="1500" dirty="0">
+                          <a:latin typeface="+mn-lt"/>
+                        </a:rPr>
                         <a:t>1</a:t>
                       </a:r>
                     </a:p>
@@ -20440,7 +20241,9 @@
                     <a:lstStyle/>
                     <a:p>
                       <a:r>
-                        <a:rPr lang="en-US" sz="1500" dirty="0"/>
+                        <a:rPr lang="en-US" sz="1500" dirty="0">
+                          <a:latin typeface="+mn-lt"/>
+                        </a:rPr>
                         <a:t>AKSHIT SHARMA</a:t>
                       </a:r>
                     </a:p>
@@ -20453,7 +20256,9 @@
                     <a:lstStyle/>
                     <a:p>
                       <a:r>
-                        <a:rPr lang="en-US" sz="1500" dirty="0"/>
+                        <a:rPr lang="en-US" sz="1500" dirty="0">
+                          <a:latin typeface="+mn-lt"/>
+                        </a:rPr>
                         <a:t>B.Tech</a:t>
                       </a:r>
                     </a:p>
@@ -20466,7 +20271,9 @@
                     <a:lstStyle/>
                     <a:p>
                       <a:r>
-                        <a:rPr lang="en-US" sz="1500" dirty="0"/>
+                        <a:rPr lang="en-US" sz="1500" dirty="0">
+                          <a:latin typeface="+mn-lt"/>
+                        </a:rPr>
                         <a:t>AI&amp;DS</a:t>
                       </a:r>
                     </a:p>
@@ -20479,15 +20286,21 @@
                     <a:lstStyle/>
                     <a:p>
                       <a:r>
-                        <a:rPr lang="en-US" sz="1500" dirty="0"/>
+                        <a:rPr lang="en-US" sz="1500" dirty="0">
+                          <a:latin typeface="+mn-lt"/>
+                        </a:rPr>
                         <a:t>1</a:t>
                       </a:r>
                       <a:r>
-                        <a:rPr lang="en-US" sz="1500" baseline="30000" dirty="0"/>
+                        <a:rPr lang="en-US" sz="1500" baseline="30000" dirty="0">
+                          <a:latin typeface="+mn-lt"/>
+                        </a:rPr>
                         <a:t>st</a:t>
                       </a:r>
                       <a:r>
-                        <a:rPr lang="en-US" sz="1500" dirty="0"/>
+                        <a:rPr lang="en-US" sz="1500" dirty="0">
+                          <a:latin typeface="+mn-lt"/>
+                        </a:rPr>
                         <a:t> Year</a:t>
                       </a:r>
                     </a:p>
@@ -20517,7 +20330,9 @@
                         <a:defRPr/>
                       </a:pPr>
                       <a:r>
-                        <a:rPr lang="en-US" sz="1500" dirty="0"/>
+                        <a:rPr lang="en-US" sz="1500" dirty="0">
+                          <a:latin typeface="+mn-lt"/>
+                        </a:rPr>
                         <a:t>Team leader , Full Stack Developer</a:t>
                       </a:r>
                     </a:p>
@@ -20537,7 +20352,9 @@
                     <a:lstStyle/>
                     <a:p>
                       <a:r>
-                        <a:rPr lang="en-US" sz="1500" dirty="0"/>
+                        <a:rPr lang="en-US" sz="1500" dirty="0">
+                          <a:latin typeface="+mn-lt"/>
+                        </a:rPr>
                         <a:t>2</a:t>
                       </a:r>
                     </a:p>
@@ -20550,7 +20367,9 @@
                     <a:lstStyle/>
                     <a:p>
                       <a:r>
-                        <a:rPr lang="en-US" sz="1500" dirty="0"/>
+                        <a:rPr lang="en-US" sz="1500" dirty="0">
+                          <a:latin typeface="+mn-lt"/>
+                        </a:rPr>
                         <a:t>SHASHI KANT SHARMA</a:t>
                       </a:r>
                     </a:p>
@@ -20580,7 +20399,9 @@
                         <a:defRPr/>
                       </a:pPr>
                       <a:r>
-                        <a:rPr lang="en-US" sz="1500" dirty="0"/>
+                        <a:rPr lang="en-US" sz="1500" dirty="0">
+                          <a:latin typeface="+mn-lt"/>
+                        </a:rPr>
                         <a:t>B.Tech</a:t>
                       </a:r>
                     </a:p>
@@ -20610,7 +20431,9 @@
                         <a:defRPr/>
                       </a:pPr>
                       <a:r>
-                        <a:rPr lang="en-US" sz="1500" dirty="0"/>
+                        <a:rPr lang="en-US" sz="1500" dirty="0">
+                          <a:latin typeface="+mn-lt"/>
+                        </a:rPr>
                         <a:t>AI&amp;DS</a:t>
                       </a:r>
                     </a:p>
@@ -20640,15 +20463,21 @@
                         <a:defRPr/>
                       </a:pPr>
                       <a:r>
-                        <a:rPr lang="en-US" sz="1500" dirty="0"/>
+                        <a:rPr lang="en-US" sz="1500" dirty="0">
+                          <a:latin typeface="+mn-lt"/>
+                        </a:rPr>
                         <a:t>1</a:t>
                       </a:r>
                       <a:r>
-                        <a:rPr lang="en-US" sz="1500" baseline="30000" dirty="0"/>
+                        <a:rPr lang="en-US" sz="1500" baseline="30000" dirty="0">
+                          <a:latin typeface="+mn-lt"/>
+                        </a:rPr>
                         <a:t>st</a:t>
                       </a:r>
                       <a:r>
-                        <a:rPr lang="en-US" sz="1500" dirty="0"/>
+                        <a:rPr lang="en-US" sz="1500" dirty="0">
+                          <a:latin typeface="+mn-lt"/>
+                        </a:rPr>
                         <a:t> Year</a:t>
                       </a:r>
                     </a:p>
@@ -20661,7 +20490,9 @@
                     <a:lstStyle/>
                     <a:p>
                       <a:r>
-                        <a:rPr lang="en-US" sz="1500" dirty="0"/>
+                        <a:rPr lang="en-US" sz="1500" dirty="0">
+                          <a:latin typeface="+mn-lt"/>
+                        </a:rPr>
                         <a:t>Frontend Developer</a:t>
                       </a:r>
                     </a:p>
@@ -20681,7 +20512,9 @@
                     <a:lstStyle/>
                     <a:p>
                       <a:r>
-                        <a:rPr lang="en-US" sz="1500" dirty="0"/>
+                        <a:rPr lang="en-US" sz="1500" dirty="0">
+                          <a:latin typeface="+mn-lt"/>
+                        </a:rPr>
                         <a:t>3</a:t>
                       </a:r>
                     </a:p>
@@ -20694,7 +20527,9 @@
                     <a:lstStyle/>
                     <a:p>
                       <a:r>
-                        <a:rPr lang="en-US" sz="1500" dirty="0"/>
+                        <a:rPr lang="en-US" sz="1500" dirty="0">
+                          <a:latin typeface="+mn-lt"/>
+                        </a:rPr>
                         <a:t>VINEET GOYAL</a:t>
                       </a:r>
                     </a:p>
@@ -20724,7 +20559,9 @@
                         <a:defRPr/>
                       </a:pPr>
                       <a:r>
-                        <a:rPr lang="en-US" sz="1500" dirty="0"/>
+                        <a:rPr lang="en-US" sz="1500" dirty="0">
+                          <a:latin typeface="+mn-lt"/>
+                        </a:rPr>
                         <a:t>B.Tech</a:t>
                       </a:r>
                     </a:p>
@@ -20754,7 +20591,9 @@
                         <a:defRPr/>
                       </a:pPr>
                       <a:r>
-                        <a:rPr lang="en-US" sz="1500" dirty="0"/>
+                        <a:rPr lang="en-US" sz="1500" dirty="0">
+                          <a:latin typeface="+mn-lt"/>
+                        </a:rPr>
                         <a:t>AI&amp;DS</a:t>
                       </a:r>
                     </a:p>
@@ -20784,15 +20623,21 @@
                         <a:defRPr/>
                       </a:pPr>
                       <a:r>
-                        <a:rPr lang="en-US" sz="1500" dirty="0"/>
+                        <a:rPr lang="en-US" sz="1500" dirty="0">
+                          <a:latin typeface="+mn-lt"/>
+                        </a:rPr>
                         <a:t>1</a:t>
                       </a:r>
                       <a:r>
-                        <a:rPr lang="en-US" sz="1500" baseline="30000" dirty="0"/>
+                        <a:rPr lang="en-US" sz="1500" baseline="30000" dirty="0">
+                          <a:latin typeface="+mn-lt"/>
+                        </a:rPr>
                         <a:t>st</a:t>
                       </a:r>
                       <a:r>
-                        <a:rPr lang="en-US" sz="1500" dirty="0"/>
+                        <a:rPr lang="en-US" sz="1500" dirty="0">
+                          <a:latin typeface="+mn-lt"/>
+                        </a:rPr>
                         <a:t> Year</a:t>
                       </a:r>
                     </a:p>
@@ -20805,7 +20650,9 @@
                     <a:lstStyle/>
                     <a:p>
                       <a:r>
-                        <a:rPr lang="en-US" sz="1500" dirty="0"/>
+                        <a:rPr lang="en-US" sz="1500" dirty="0">
+                          <a:latin typeface="+mn-lt"/>
+                        </a:rPr>
                         <a:t>Backend Developer</a:t>
                       </a:r>
                     </a:p>
@@ -20825,7 +20672,9 @@
                     <a:lstStyle/>
                     <a:p>
                       <a:r>
-                        <a:rPr lang="en-US" sz="1500" dirty="0"/>
+                        <a:rPr lang="en-US" sz="1500" dirty="0">
+                          <a:latin typeface="+mn-lt"/>
+                        </a:rPr>
                         <a:t>4</a:t>
                       </a:r>
                     </a:p>
@@ -20838,7 +20687,9 @@
                     <a:lstStyle/>
                     <a:p>
                       <a:r>
-                        <a:rPr lang="en-US" sz="1500" dirty="0"/>
+                        <a:rPr lang="en-US" sz="1500" dirty="0">
+                          <a:latin typeface="+mn-lt"/>
+                        </a:rPr>
                         <a:t>JOYAL JIJO</a:t>
                       </a:r>
                     </a:p>
@@ -20868,7 +20719,9 @@
                         <a:defRPr/>
                       </a:pPr>
                       <a:r>
-                        <a:rPr lang="en-US" sz="1500" dirty="0"/>
+                        <a:rPr lang="en-US" sz="1500" dirty="0">
+                          <a:latin typeface="+mn-lt"/>
+                        </a:rPr>
                         <a:t>B.Tech</a:t>
                       </a:r>
                     </a:p>
@@ -20898,7 +20751,9 @@
                         <a:defRPr/>
                       </a:pPr>
                       <a:r>
-                        <a:rPr lang="en-US" sz="1500" dirty="0"/>
+                        <a:rPr lang="en-US" sz="1500" dirty="0">
+                          <a:latin typeface="+mn-lt"/>
+                        </a:rPr>
                         <a:t>AI&amp;DS</a:t>
                       </a:r>
                     </a:p>
@@ -20928,15 +20783,21 @@
                         <a:defRPr/>
                       </a:pPr>
                       <a:r>
-                        <a:rPr lang="en-US" sz="1500" dirty="0"/>
+                        <a:rPr lang="en-US" sz="1500" dirty="0">
+                          <a:latin typeface="+mn-lt"/>
+                        </a:rPr>
                         <a:t>1</a:t>
                       </a:r>
                       <a:r>
-                        <a:rPr lang="en-US" sz="1500" baseline="30000" dirty="0"/>
+                        <a:rPr lang="en-US" sz="1500" baseline="30000" dirty="0">
+                          <a:latin typeface="+mn-lt"/>
+                        </a:rPr>
                         <a:t>st</a:t>
                       </a:r>
                       <a:r>
-                        <a:rPr lang="en-US" sz="1500" dirty="0"/>
+                        <a:rPr lang="en-US" sz="1500" dirty="0">
+                          <a:latin typeface="+mn-lt"/>
+                        </a:rPr>
                         <a:t> Year</a:t>
                       </a:r>
                     </a:p>
@@ -20949,7 +20810,9 @@
                     <a:lstStyle/>
                     <a:p>
                       <a:r>
-                        <a:rPr lang="en-US" sz="1500" dirty="0"/>
+                        <a:rPr lang="en-US" sz="1500" dirty="0">
+                          <a:latin typeface="+mn-lt"/>
+                        </a:rPr>
                         <a:t>Backend Developer</a:t>
                       </a:r>
                     </a:p>
@@ -20969,7 +20832,9 @@
                     <a:lstStyle/>
                     <a:p>
                       <a:r>
-                        <a:rPr lang="en-US" sz="1500" dirty="0"/>
+                        <a:rPr lang="en-US" sz="1500" dirty="0">
+                          <a:latin typeface="+mn-lt"/>
+                        </a:rPr>
                         <a:t>5</a:t>
                       </a:r>
                     </a:p>
@@ -20982,7 +20847,9 @@
                     <a:lstStyle/>
                     <a:p>
                       <a:r>
-                        <a:rPr lang="en-US" sz="1500" dirty="0"/>
+                        <a:rPr lang="en-US" sz="1500" dirty="0">
+                          <a:latin typeface="+mn-lt"/>
+                        </a:rPr>
                         <a:t>PULKIT GARG</a:t>
                       </a:r>
                     </a:p>
@@ -21012,7 +20879,9 @@
                         <a:defRPr/>
                       </a:pPr>
                       <a:r>
-                        <a:rPr lang="en-US" sz="1500" dirty="0"/>
+                        <a:rPr lang="en-US" sz="1500" dirty="0">
+                          <a:latin typeface="+mn-lt"/>
+                        </a:rPr>
                         <a:t>B.Tech</a:t>
                       </a:r>
                     </a:p>
@@ -21042,7 +20911,9 @@
                         <a:defRPr/>
                       </a:pPr>
                       <a:r>
-                        <a:rPr lang="en-US" sz="1500" dirty="0"/>
+                        <a:rPr lang="en-US" sz="1500" dirty="0">
+                          <a:latin typeface="+mn-lt"/>
+                        </a:rPr>
                         <a:t>AI&amp;DS</a:t>
                       </a:r>
                     </a:p>
@@ -21072,15 +20943,21 @@
                         <a:defRPr/>
                       </a:pPr>
                       <a:r>
-                        <a:rPr lang="en-US" sz="1500" dirty="0"/>
+                        <a:rPr lang="en-US" sz="1500" dirty="0">
+                          <a:latin typeface="+mn-lt"/>
+                        </a:rPr>
                         <a:t>1</a:t>
                       </a:r>
                       <a:r>
-                        <a:rPr lang="en-US" sz="1500" baseline="30000" dirty="0"/>
+                        <a:rPr lang="en-US" sz="1500" baseline="30000" dirty="0">
+                          <a:latin typeface="+mn-lt"/>
+                        </a:rPr>
                         <a:t>st</a:t>
                       </a:r>
                       <a:r>
-                        <a:rPr lang="en-US" sz="1500" dirty="0"/>
+                        <a:rPr lang="en-US" sz="1500" dirty="0">
+                          <a:latin typeface="+mn-lt"/>
+                        </a:rPr>
                         <a:t> Year</a:t>
                       </a:r>
                     </a:p>
@@ -21104,7 +20981,9 @@
                         </a:rPr>
                         <a:t>Artificial intelligence</a:t>
                       </a:r>
-                      <a:endParaRPr lang="en-US" sz="1500" b="0" dirty="0"/>
+                      <a:endParaRPr lang="en-US" sz="1500" b="0" dirty="0">
+                        <a:latin typeface="+mn-lt"/>
+                      </a:endParaRPr>
                     </a:p>
                   </a:txBody>
                   <a:tcPr/>
@@ -21122,7 +21001,9 @@
                     <a:lstStyle/>
                     <a:p>
                       <a:r>
-                        <a:rPr lang="en-US" sz="1500" dirty="0"/>
+                        <a:rPr lang="en-US" sz="1500" dirty="0">
+                          <a:latin typeface="+mn-lt"/>
+                        </a:rPr>
                         <a:t>6</a:t>
                       </a:r>
                     </a:p>
@@ -21135,7 +21016,9 @@
                     <a:lstStyle/>
                     <a:p>
                       <a:r>
-                        <a:rPr lang="en-US" sz="1500" dirty="0"/>
+                        <a:rPr lang="en-US" sz="1500" dirty="0">
+                          <a:latin typeface="+mn-lt"/>
+                        </a:rPr>
                         <a:t>VANSH SINGHAL</a:t>
                       </a:r>
                     </a:p>
@@ -21165,7 +21048,9 @@
                         <a:defRPr/>
                       </a:pPr>
                       <a:r>
-                        <a:rPr lang="en-US" sz="1500" dirty="0"/>
+                        <a:rPr lang="en-US" sz="1500" dirty="0">
+                          <a:latin typeface="+mn-lt"/>
+                        </a:rPr>
                         <a:t>B.Tech</a:t>
                       </a:r>
                     </a:p>
@@ -21195,7 +21080,9 @@
                         <a:defRPr/>
                       </a:pPr>
                       <a:r>
-                        <a:rPr lang="en-US" sz="1500" dirty="0"/>
+                        <a:rPr lang="en-US" sz="1500" dirty="0">
+                          <a:latin typeface="+mn-lt"/>
+                        </a:rPr>
                         <a:t>AI&amp;DS</a:t>
                       </a:r>
                     </a:p>
@@ -21225,15 +21112,21 @@
                         <a:defRPr/>
                       </a:pPr>
                       <a:r>
-                        <a:rPr lang="en-US" sz="1500" dirty="0"/>
+                        <a:rPr lang="en-US" sz="1500" dirty="0">
+                          <a:latin typeface="+mn-lt"/>
+                        </a:rPr>
                         <a:t>1</a:t>
                       </a:r>
                       <a:r>
-                        <a:rPr lang="en-US" sz="1500" baseline="30000" dirty="0"/>
+                        <a:rPr lang="en-US" sz="1500" baseline="30000" dirty="0">
+                          <a:latin typeface="+mn-lt"/>
+                        </a:rPr>
                         <a:t>st</a:t>
                       </a:r>
                       <a:r>
-                        <a:rPr lang="en-US" sz="1500" dirty="0"/>
+                        <a:rPr lang="en-US" sz="1500" dirty="0">
+                          <a:latin typeface="+mn-lt"/>
+                        </a:rPr>
                         <a:t> Year</a:t>
                       </a:r>
                     </a:p>
@@ -21246,7 +21139,9 @@
                     <a:lstStyle/>
                     <a:p>
                       <a:r>
-                        <a:rPr lang="en-US" sz="1500" dirty="0"/>
+                        <a:rPr lang="en-US" sz="1500" dirty="0">
+                          <a:latin typeface="+mn-lt"/>
+                        </a:rPr>
                         <a:t>Artificial intelligence</a:t>
                       </a:r>
                     </a:p>
@@ -21272,14 +21167,14 @@
           <p:nvPr>
             <p:extLst>
               <p:ext uri="{D42A27DB-BD31-4B8C-83A1-F6EECF244321}">
-                <p14:modId xmlns:p14="http://schemas.microsoft.com/office/powerpoint/2010/main" val="3636377023"/>
+                <p14:modId xmlns:p14="http://schemas.microsoft.com/office/powerpoint/2010/main" val="2485039513"/>
               </p:ext>
             </p:extLst>
           </p:nvPr>
         </p:nvGraphicFramePr>
         <p:xfrm>
           <a:off x="221909" y="5288221"/>
-          <a:ext cx="11687594" cy="1381760"/>
+          <a:ext cx="11687594" cy="1371600"/>
         </p:xfrm>
         <a:graphic>
           <a:graphicData uri="http://schemas.openxmlformats.org/drawingml/2006/table">
@@ -21324,7 +21219,7 @@
                   </a:extLst>
                 </a:gridCol>
               </a:tblGrid>
-              <a:tr h="370840">
+              <a:tr h="322093">
                 <a:tc>
                   <a:txBody>
                     <a:bodyPr/>
@@ -21391,7 +21286,7 @@
                   </a:ext>
                 </a:extLst>
               </a:tr>
-              <a:tr h="370840">
+              <a:tr h="555942">
                 <a:tc>
                   <a:txBody>
                     <a:bodyPr/>
@@ -21460,7 +21355,7 @@
                   </a:ext>
                 </a:extLst>
               </a:tr>
-              <a:tr h="370840">
+              <a:tr h="322093">
                 <a:tc>
                   <a:txBody>
                     <a:bodyPr/>
@@ -21531,7 +21426,7 @@
         </p:nvSpPr>
         <p:spPr>
           <a:xfrm>
-            <a:off x="297767" y="4597807"/>
+            <a:off x="2787246" y="4597807"/>
             <a:ext cx="6617507" cy="610863"/>
           </a:xfrm>
           <a:prstGeom prst="rect">
@@ -21663,14 +21558,12 @@
             </a:lvl9pPr>
           </a:lstStyle>
           <a:p>
+            <a:pPr>
+              <a:buSzPct val="100000"/>
+            </a:pPr>
             <a:r>
-              <a:rPr lang="en-US" sz="4000" dirty="0">
-                <a:solidFill>
-                  <a:schemeClr val="bg1">
-                    <a:lumMod val="95000"/>
-                    <a:lumOff val="5000"/>
-                  </a:schemeClr>
-                </a:solidFill>
+              <a:rPr lang="en-US" sz="3600" u="sng" cap="all" dirty="0">
+                <a:latin typeface="Georgia" panose="02040502050405020303" pitchFamily="18" charset="0"/>
               </a:rPr>
               <a:t>Team Mentor Details </a:t>
             </a:r>
@@ -22338,4 +22231,193 @@
   <a:objectDefaults/>
   <a:extraClrSchemeLst/>
 </a:theme>
+</file>
+
+<file path=customXml/item1.xml><?xml version="1.0" encoding="utf-8"?>
+<?mso-contentType ?>
+<FormTemplates xmlns="http://schemas.microsoft.com/sharepoint/v3/contenttype/forms">
+  <Display>DocumentLibraryForm</Display>
+  <Edit>DocumentLibraryForm</Edit>
+  <New>DocumentLibraryForm</New>
+</FormTemplates>
+</file>
+
+<file path=customXml/item2.xml><?xml version="1.0" encoding="utf-8"?>
+<ct:contentTypeSchema xmlns:ct="http://schemas.microsoft.com/office/2006/metadata/contentType" xmlns:ma="http://schemas.microsoft.com/office/2006/metadata/properties/metaAttributes" ct:_="" ma:_="" ma:contentTypeName="Document" ma:contentTypeID="0x010100045D70F3C202DC40AC78A9D22112BB2F" ma:contentTypeVersion="2" ma:contentTypeDescription="Create a new document." ma:contentTypeScope="" ma:versionID="d992bf40347487d1f3f3c6176b7f629c">
+  <xsd:schema xmlns:xsd="http://www.w3.org/2001/XMLSchema" xmlns:xs="http://www.w3.org/2001/XMLSchema" xmlns:p="http://schemas.microsoft.com/office/2006/metadata/properties" xmlns:ns3="eb9b8c90-d88d-407c-9fb6-5586b6b41ff4" targetNamespace="http://schemas.microsoft.com/office/2006/metadata/properties" ma:root="true" ma:fieldsID="eed47cf6781a9f2f8d80d491d7909ec0" ns3:_="">
+    <xsd:import namespace="eb9b8c90-d88d-407c-9fb6-5586b6b41ff4"/>
+    <xsd:element name="properties">
+      <xsd:complexType>
+        <xsd:sequence>
+          <xsd:element name="documentManagement">
+            <xsd:complexType>
+              <xsd:all>
+                <xsd:element ref="ns3:MediaServiceMetadata" minOccurs="0"/>
+                <xsd:element ref="ns3:MediaServiceFastMetadata" minOccurs="0"/>
+              </xsd:all>
+            </xsd:complexType>
+          </xsd:element>
+        </xsd:sequence>
+      </xsd:complexType>
+    </xsd:element>
+  </xsd:schema>
+  <xsd:schema xmlns:xsd="http://www.w3.org/2001/XMLSchema" xmlns:xs="http://www.w3.org/2001/XMLSchema" xmlns:dms="http://schemas.microsoft.com/office/2006/documentManagement/types" xmlns:pc="http://schemas.microsoft.com/office/infopath/2007/PartnerControls" targetNamespace="eb9b8c90-d88d-407c-9fb6-5586b6b41ff4" elementFormDefault="qualified">
+    <xsd:import namespace="http://schemas.microsoft.com/office/2006/documentManagement/types"/>
+    <xsd:import namespace="http://schemas.microsoft.com/office/infopath/2007/PartnerControls"/>
+    <xsd:element name="MediaServiceMetadata" ma:index="8" nillable="true" ma:displayName="MediaServiceMetadata" ma:hidden="true" ma:internalName="MediaServiceMetadata" ma:readOnly="true">
+      <xsd:simpleType>
+        <xsd:restriction base="dms:Note"/>
+      </xsd:simpleType>
+    </xsd:element>
+    <xsd:element name="MediaServiceFastMetadata" ma:index="9" nillable="true" ma:displayName="MediaServiceFastMetadata" ma:hidden="true" ma:internalName="MediaServiceFastMetadata" ma:readOnly="true">
+      <xsd:simpleType>
+        <xsd:restriction base="dms:Note"/>
+      </xsd:simpleType>
+    </xsd:element>
+  </xsd:schema>
+  <xsd:schema xmlns="http://schemas.openxmlformats.org/package/2006/metadata/core-properties" xmlns:xsd="http://www.w3.org/2001/XMLSchema" xmlns:xsi="http://www.w3.org/2001/XMLSchema-instance" xmlns:dc="http://purl.org/dc/elements/1.1/" xmlns:dcterms="http://purl.org/dc/terms/" xmlns:odoc="http://schemas.microsoft.com/internal/obd" targetNamespace="http://schemas.openxmlformats.org/package/2006/metadata/core-properties" elementFormDefault="qualified" attributeFormDefault="unqualified" blockDefault="#all">
+    <xsd:import namespace="http://purl.org/dc/elements/1.1/" schemaLocation="http://dublincore.org/schemas/xmls/qdc/2003/04/02/dc.xsd"/>
+    <xsd:import namespace="http://purl.org/dc/terms/" schemaLocation="http://dublincore.org/schemas/xmls/qdc/2003/04/02/dcterms.xsd"/>
+    <xsd:element name="coreProperties" type="CT_coreProperties"/>
+    <xsd:complexType name="CT_coreProperties">
+      <xsd:all>
+        <xsd:element ref="dc:creator" minOccurs="0" maxOccurs="1"/>
+        <xsd:element ref="dcterms:created" minOccurs="0" maxOccurs="1"/>
+        <xsd:element ref="dc:identifier" minOccurs="0" maxOccurs="1"/>
+        <xsd:element name="contentType" minOccurs="0" maxOccurs="1" type="xsd:string" ma:index="0" ma:displayName="Content Type"/>
+        <xsd:element ref="dc:title" minOccurs="0" maxOccurs="1" ma:index="4" ma:displayName="Title"/>
+        <xsd:element ref="dc:subject" minOccurs="0" maxOccurs="1"/>
+        <xsd:element ref="dc:description" minOccurs="0" maxOccurs="1"/>
+        <xsd:element name="keywords" minOccurs="0" maxOccurs="1" type="xsd:string"/>
+        <xsd:element ref="dc:language" minOccurs="0" maxOccurs="1"/>
+        <xsd:element name="category" minOccurs="0" maxOccurs="1" type="xsd:string"/>
+        <xsd:element name="version" minOccurs="0" maxOccurs="1" type="xsd:string"/>
+        <xsd:element name="revision" minOccurs="0" maxOccurs="1" type="xsd:string">
+          <xsd:annotation>
+            <xsd:documentation>
+                        This value indicates the number of saves or revisions. The application is responsible for updating this value after each revision.
+                    </xsd:documentation>
+          </xsd:annotation>
+        </xsd:element>
+        <xsd:element name="lastModifiedBy" minOccurs="0" maxOccurs="1" type="xsd:string"/>
+        <xsd:element ref="dcterms:modified" minOccurs="0" maxOccurs="1"/>
+        <xsd:element name="contentStatus" minOccurs="0" maxOccurs="1" type="xsd:string"/>
+      </xsd:all>
+    </xsd:complexType>
+  </xsd:schema>
+  <xs:schema xmlns:pc="http://schemas.microsoft.com/office/infopath/2007/PartnerControls" xmlns:xs="http://www.w3.org/2001/XMLSchema" targetNamespace="http://schemas.microsoft.com/office/infopath/2007/PartnerControls" elementFormDefault="qualified" attributeFormDefault="unqualified">
+    <xs:element name="Person">
+      <xs:complexType>
+        <xs:sequence>
+          <xs:element ref="pc:DisplayName" minOccurs="0"/>
+          <xs:element ref="pc:AccountId" minOccurs="0"/>
+          <xs:element ref="pc:AccountType" minOccurs="0"/>
+        </xs:sequence>
+      </xs:complexType>
+    </xs:element>
+    <xs:element name="DisplayName" type="xs:string"/>
+    <xs:element name="AccountId" type="xs:string"/>
+    <xs:element name="AccountType" type="xs:string"/>
+    <xs:element name="BDCAssociatedEntity">
+      <xs:complexType>
+        <xs:sequence>
+          <xs:element ref="pc:BDCEntity" minOccurs="0" maxOccurs="unbounded"/>
+        </xs:sequence>
+        <xs:attribute ref="pc:EntityNamespace"/>
+        <xs:attribute ref="pc:EntityName"/>
+        <xs:attribute ref="pc:SystemInstanceName"/>
+        <xs:attribute ref="pc:AssociationName"/>
+      </xs:complexType>
+    </xs:element>
+    <xs:attribute name="EntityNamespace" type="xs:string"/>
+    <xs:attribute name="EntityName" type="xs:string"/>
+    <xs:attribute name="SystemInstanceName" type="xs:string"/>
+    <xs:attribute name="AssociationName" type="xs:string"/>
+    <xs:element name="BDCEntity">
+      <xs:complexType>
+        <xs:sequence>
+          <xs:element ref="pc:EntityDisplayName" minOccurs="0"/>
+          <xs:element ref="pc:EntityInstanceReference" minOccurs="0"/>
+          <xs:element ref="pc:EntityId1" minOccurs="0"/>
+          <xs:element ref="pc:EntityId2" minOccurs="0"/>
+          <xs:element ref="pc:EntityId3" minOccurs="0"/>
+          <xs:element ref="pc:EntityId4" minOccurs="0"/>
+          <xs:element ref="pc:EntityId5" minOccurs="0"/>
+        </xs:sequence>
+      </xs:complexType>
+    </xs:element>
+    <xs:element name="EntityDisplayName" type="xs:string"/>
+    <xs:element name="EntityInstanceReference" type="xs:string"/>
+    <xs:element name="EntityId1" type="xs:string"/>
+    <xs:element name="EntityId2" type="xs:string"/>
+    <xs:element name="EntityId3" type="xs:string"/>
+    <xs:element name="EntityId4" type="xs:string"/>
+    <xs:element name="EntityId5" type="xs:string"/>
+    <xs:element name="Terms">
+      <xs:complexType>
+        <xs:sequence>
+          <xs:element ref="pc:TermInfo" minOccurs="0" maxOccurs="unbounded"/>
+        </xs:sequence>
+      </xs:complexType>
+    </xs:element>
+    <xs:element name="TermInfo">
+      <xs:complexType>
+        <xs:sequence>
+          <xs:element ref="pc:TermName" minOccurs="0"/>
+          <xs:element ref="pc:TermId" minOccurs="0"/>
+        </xs:sequence>
+      </xs:complexType>
+    </xs:element>
+    <xs:element name="TermName" type="xs:string"/>
+    <xs:element name="TermId" type="xs:string"/>
+  </xs:schema>
+</ct:contentTypeSchema>
+</file>
+
+<file path=customXml/item3.xml><?xml version="1.0" encoding="utf-8"?>
+<p:properties xmlns:p="http://schemas.microsoft.com/office/2006/metadata/properties" xmlns:xsi="http://www.w3.org/2001/XMLSchema-instance" xmlns:pc="http://schemas.microsoft.com/office/infopath/2007/PartnerControls">
+  <documentManagement/>
+</p:properties>
+</file>
+
+<file path=customXml/itemProps1.xml><?xml version="1.0" encoding="utf-8"?>
+<ds:datastoreItem xmlns:ds="http://schemas.openxmlformats.org/officeDocument/2006/customXml" ds:itemID="{8049041F-BEAF-42B4-A969-1F16CC5AC918}">
+  <ds:schemaRefs>
+    <ds:schemaRef ds:uri="http://schemas.microsoft.com/sharepoint/v3/contenttype/forms"/>
+  </ds:schemaRefs>
+</ds:datastoreItem>
+</file>
+
+<file path=customXml/itemProps2.xml><?xml version="1.0" encoding="utf-8"?>
+<ds:datastoreItem xmlns:ds="http://schemas.openxmlformats.org/officeDocument/2006/customXml" ds:itemID="{F28F6B9F-4951-41FA-A27E-BA088F6210B4}">
+  <ds:schemaRefs>
+    <ds:schemaRef ds:uri="http://schemas.microsoft.com/office/2006/metadata/contentType"/>
+    <ds:schemaRef ds:uri="http://schemas.microsoft.com/office/2006/metadata/properties/metaAttributes"/>
+    <ds:schemaRef ds:uri="http://www.w3.org/2001/XMLSchema"/>
+    <ds:schemaRef ds:uri="http://schemas.microsoft.com/office/2006/metadata/properties"/>
+    <ds:schemaRef ds:uri="eb9b8c90-d88d-407c-9fb6-5586b6b41ff4"/>
+    <ds:schemaRef ds:uri="http://schemas.microsoft.com/office/2006/documentManagement/types"/>
+    <ds:schemaRef ds:uri="http://schemas.microsoft.com/office/infopath/2007/PartnerControls"/>
+    <ds:schemaRef ds:uri="http://schemas.openxmlformats.org/package/2006/metadata/core-properties"/>
+    <ds:schemaRef ds:uri="http://purl.org/dc/elements/1.1/"/>
+    <ds:schemaRef ds:uri="http://purl.org/dc/terms/"/>
+    <ds:schemaRef ds:uri="http://schemas.microsoft.com/internal/obd"/>
+  </ds:schemaRefs>
+</ds:datastoreItem>
+</file>
+
+<file path=customXml/itemProps3.xml><?xml version="1.0" encoding="utf-8"?>
+<ds:datastoreItem xmlns:ds="http://schemas.openxmlformats.org/officeDocument/2006/customXml" ds:itemID="{853D00B2-94C9-40C4-B9A3-D5558AA14C16}">
+  <ds:schemaRefs>
+    <ds:schemaRef ds:uri="eb9b8c90-d88d-407c-9fb6-5586b6b41ff4"/>
+    <ds:schemaRef ds:uri="http://schemas.microsoft.com/office/infopath/2007/PartnerControls"/>
+    <ds:schemaRef ds:uri="http://purl.org/dc/dcmitype/"/>
+    <ds:schemaRef ds:uri="http://purl.org/dc/terms/"/>
+    <ds:schemaRef ds:uri="http://purl.org/dc/elements/1.1/"/>
+    <ds:schemaRef ds:uri="http://schemas.microsoft.com/office/2006/documentManagement/types"/>
+    <ds:schemaRef ds:uri="http://schemas.openxmlformats.org/package/2006/metadata/core-properties"/>
+    <ds:schemaRef ds:uri="http://schemas.microsoft.com/office/2006/metadata/properties"/>
+    <ds:schemaRef ds:uri="http://www.w3.org/XML/1998/namespace"/>
+  </ds:schemaRefs>
+</ds:datastoreItem>
 </file>